--- a/WNV_Detection.pptx
+++ b/WNV_Detection.pptx
@@ -194,7 +194,6 @@
   </mc:AlternateContent>
   <c:chart>
     <c:title>
-      <c:layout/>
       <c:overlay val="0"/>
       <c:spPr>
         <a:noFill/>
@@ -300,11 +299,11 @@
           <c:showBubbleSize val="0"/>
         </c:dLbls>
         <c:gapWidth val="182"/>
-        <c:axId val="-2104811952"/>
-        <c:axId val="-2101256016"/>
+        <c:axId val="-2031292576"/>
+        <c:axId val="-2047474256"/>
       </c:barChart>
       <c:catAx>
-        <c:axId val="-2104811952"/>
+        <c:axId val="-2031292576"/>
         <c:scaling>
           <c:orientation val="minMax"/>
         </c:scaling>
@@ -347,7 +346,7 @@
             <a:endParaRPr lang="en-US"/>
           </a:p>
         </c:txPr>
-        <c:crossAx val="-2101256016"/>
+        <c:crossAx val="-2047474256"/>
         <c:crosses val="autoZero"/>
         <c:auto val="1"/>
         <c:lblAlgn val="ctr"/>
@@ -355,7 +354,7 @@
         <c:noMultiLvlLbl val="0"/>
       </c:catAx>
       <c:valAx>
-        <c:axId val="-2101256016"/>
+        <c:axId val="-2047474256"/>
         <c:scaling>
           <c:orientation val="minMax"/>
           <c:max val="1.0"/>
@@ -408,7 +407,7 @@
             <a:endParaRPr lang="en-US"/>
           </a:p>
         </c:txPr>
-        <c:crossAx val="-2104811952"/>
+        <c:crossAx val="-2031292576"/>
         <c:crosses val="autoZero"/>
         <c:crossBetween val="between"/>
         <c:majorUnit val="0.1"/>
@@ -463,7 +462,6 @@
   </mc:AlternateContent>
   <c:chart>
     <c:title>
-      <c:layout/>
       <c:overlay val="0"/>
       <c:spPr>
         <a:noFill/>
@@ -569,11 +567,11 @@
           <c:showBubbleSize val="0"/>
         </c:dLbls>
         <c:gapWidth val="182"/>
-        <c:axId val="-2036153744"/>
-        <c:axId val="-2047470736"/>
+        <c:axId val="2088664240"/>
+        <c:axId val="-2144561488"/>
       </c:barChart>
       <c:catAx>
-        <c:axId val="-2036153744"/>
+        <c:axId val="2088664240"/>
         <c:scaling>
           <c:orientation val="minMax"/>
         </c:scaling>
@@ -616,7 +614,7 @@
             <a:endParaRPr lang="en-US"/>
           </a:p>
         </c:txPr>
-        <c:crossAx val="-2047470736"/>
+        <c:crossAx val="-2144561488"/>
         <c:crosses val="autoZero"/>
         <c:auto val="1"/>
         <c:lblAlgn val="ctr"/>
@@ -624,7 +622,7 @@
         <c:noMultiLvlLbl val="0"/>
       </c:catAx>
       <c:valAx>
-        <c:axId val="-2047470736"/>
+        <c:axId val="-2144561488"/>
         <c:scaling>
           <c:orientation val="minMax"/>
           <c:max val="1.0"/>
@@ -677,7 +675,7 @@
             <a:endParaRPr lang="en-US"/>
           </a:p>
         </c:txPr>
-        <c:crossAx val="-2036153744"/>
+        <c:crossAx val="2088664240"/>
         <c:crosses val="autoZero"/>
         <c:crossBetween val="between"/>
         <c:majorUnit val="0.1"/>
@@ -1883,7 +1881,7 @@
           <a:p>
             <a:fld id="{1A7E8373-6078-DD4D-BB58-0132AF378CBB}" type="datetimeFigureOut">
               <a:rPr lang="en-US" smtClean="0"/>
-              <a:t>3/8/19</a:t>
+              <a:t>3/13/19</a:t>
             </a:fld>
             <a:endParaRPr lang="en-US"/>
           </a:p>
@@ -3998,7 +3996,7 @@
           <a:p>
             <a:fld id="{6E9A68D2-CA34-5F4A-8B56-79A0D963771F}" type="datetimeFigureOut">
               <a:rPr lang="en-US" smtClean="0"/>
-              <a:t>3/6/19</a:t>
+              <a:t>3/13/19</a:t>
             </a:fld>
             <a:endParaRPr lang="en-US"/>
           </a:p>
@@ -4168,7 +4166,7 @@
           <a:p>
             <a:fld id="{6E9A68D2-CA34-5F4A-8B56-79A0D963771F}" type="datetimeFigureOut">
               <a:rPr lang="en-US" smtClean="0"/>
-              <a:t>3/6/19</a:t>
+              <a:t>3/13/19</a:t>
             </a:fld>
             <a:endParaRPr lang="en-US"/>
           </a:p>
@@ -4348,7 +4346,7 @@
           <a:p>
             <a:fld id="{6E9A68D2-CA34-5F4A-8B56-79A0D963771F}" type="datetimeFigureOut">
               <a:rPr lang="en-US" smtClean="0"/>
-              <a:t>3/6/19</a:t>
+              <a:t>3/13/19</a:t>
             </a:fld>
             <a:endParaRPr lang="en-US"/>
           </a:p>
@@ -4518,7 +4516,7 @@
           <a:p>
             <a:fld id="{6E9A68D2-CA34-5F4A-8B56-79A0D963771F}" type="datetimeFigureOut">
               <a:rPr lang="en-US" smtClean="0"/>
-              <a:t>3/6/19</a:t>
+              <a:t>3/13/19</a:t>
             </a:fld>
             <a:endParaRPr lang="en-US"/>
           </a:p>
@@ -4764,7 +4762,7 @@
           <a:p>
             <a:fld id="{6E9A68D2-CA34-5F4A-8B56-79A0D963771F}" type="datetimeFigureOut">
               <a:rPr lang="en-US" smtClean="0"/>
-              <a:t>3/6/19</a:t>
+              <a:t>3/13/19</a:t>
             </a:fld>
             <a:endParaRPr lang="en-US"/>
           </a:p>
@@ -4996,7 +4994,7 @@
           <a:p>
             <a:fld id="{6E9A68D2-CA34-5F4A-8B56-79A0D963771F}" type="datetimeFigureOut">
               <a:rPr lang="en-US" smtClean="0"/>
-              <a:t>3/6/19</a:t>
+              <a:t>3/13/19</a:t>
             </a:fld>
             <a:endParaRPr lang="en-US"/>
           </a:p>
@@ -5363,7 +5361,7 @@
           <a:p>
             <a:fld id="{6E9A68D2-CA34-5F4A-8B56-79A0D963771F}" type="datetimeFigureOut">
               <a:rPr lang="en-US" smtClean="0"/>
-              <a:t>3/6/19</a:t>
+              <a:t>3/13/19</a:t>
             </a:fld>
             <a:endParaRPr lang="en-US"/>
           </a:p>
@@ -5481,7 +5479,7 @@
           <a:p>
             <a:fld id="{6E9A68D2-CA34-5F4A-8B56-79A0D963771F}" type="datetimeFigureOut">
               <a:rPr lang="en-US" smtClean="0"/>
-              <a:t>3/6/19</a:t>
+              <a:t>3/13/19</a:t>
             </a:fld>
             <a:endParaRPr lang="en-US"/>
           </a:p>
@@ -5576,7 +5574,7 @@
           <a:p>
             <a:fld id="{6E9A68D2-CA34-5F4A-8B56-79A0D963771F}" type="datetimeFigureOut">
               <a:rPr lang="en-US" smtClean="0"/>
-              <a:t>3/6/19</a:t>
+              <a:t>3/13/19</a:t>
             </a:fld>
             <a:endParaRPr lang="en-US"/>
           </a:p>
@@ -5853,7 +5851,7 @@
           <a:p>
             <a:fld id="{6E9A68D2-CA34-5F4A-8B56-79A0D963771F}" type="datetimeFigureOut">
               <a:rPr lang="en-US" smtClean="0"/>
-              <a:t>3/6/19</a:t>
+              <a:t>3/13/19</a:t>
             </a:fld>
             <a:endParaRPr lang="en-US"/>
           </a:p>
@@ -6106,7 +6104,7 @@
           <a:p>
             <a:fld id="{6E9A68D2-CA34-5F4A-8B56-79A0D963771F}" type="datetimeFigureOut">
               <a:rPr lang="en-US" smtClean="0"/>
-              <a:t>3/6/19</a:t>
+              <a:t>3/13/19</a:t>
             </a:fld>
             <a:endParaRPr lang="en-US"/>
           </a:p>
@@ -6319,7 +6317,7 @@
           <a:p>
             <a:fld id="{6E9A68D2-CA34-5F4A-8B56-79A0D963771F}" type="datetimeFigureOut">
               <a:rPr lang="en-US" smtClean="0"/>
-              <a:t>3/6/19</a:t>
+              <a:t>3/13/19</a:t>
             </a:fld>
             <a:endParaRPr lang="en-US"/>
           </a:p>
@@ -6829,21 +6827,8 @@
             <a:pPr algn="ctr"/>
             <a:r>
               <a:rPr lang="en-US" sz="2000" dirty="0" smtClean="0"/>
-              <a:t>By </a:t>
-            </a:r>
-            <a:r>
-              <a:rPr lang="en-US" sz="2000" dirty="0" err="1" smtClean="0"/>
-              <a:t>Eran</a:t>
-            </a:r>
-            <a:r>
-              <a:rPr lang="en-US" sz="2000" dirty="0" smtClean="0"/>
-              <a:t> </a:t>
-            </a:r>
-            <a:r>
-              <a:rPr lang="en-US" sz="2000" dirty="0" err="1" smtClean="0"/>
-              <a:t>Schenker</a:t>
-            </a:r>
-            <a:endParaRPr lang="en-US" sz="2000" dirty="0" smtClean="0"/>
+              <a:t>By Eran Schenker</a:t>
+            </a:r>
           </a:p>
           <a:p>
             <a:pPr algn="ctr"/>
@@ -6976,11 +6961,7 @@
             </a:r>
             <a:r>
               <a:rPr lang="en-US" dirty="0" smtClean="0"/>
-              <a:t>. Is </a:t>
-            </a:r>
-            <a:r>
-              <a:rPr lang="en-US" dirty="0" smtClean="0"/>
-              <a:t>there good data to work with?</a:t>
+              <a:t>. Is there good data to work with?</a:t>
             </a:r>
             <a:endParaRPr lang="en-US" dirty="0"/>
           </a:p>
@@ -8017,11 +7998,7 @@
             </a:r>
             <a:r>
               <a:rPr lang="en-US" dirty="0" smtClean="0"/>
-              <a:t>. Is </a:t>
-            </a:r>
-            <a:r>
-              <a:rPr lang="en-US" dirty="0" smtClean="0"/>
-              <a:t>there good data to work with?</a:t>
+              <a:t>. Is there good data to work with?</a:t>
             </a:r>
             <a:endParaRPr lang="en-US" dirty="0"/>
           </a:p>
@@ -9819,11 +9796,7 @@
             </a:r>
             <a:r>
               <a:rPr lang="en-US" dirty="0" smtClean="0"/>
-              <a:t>. Is </a:t>
-            </a:r>
-            <a:r>
-              <a:rPr lang="en-US" dirty="0" smtClean="0"/>
-              <a:t>there good data to work with?</a:t>
+              <a:t>. Is there good data to work with?</a:t>
             </a:r>
             <a:endParaRPr lang="en-US" dirty="0"/>
           </a:p>
@@ -12200,11 +12173,7 @@
             </a:r>
             <a:r>
               <a:rPr lang="en-US" dirty="0" smtClean="0"/>
-              <a:t>. Is </a:t>
-            </a:r>
-            <a:r>
-              <a:rPr lang="en-US" dirty="0" smtClean="0"/>
-              <a:t>there good data to work with?</a:t>
+              <a:t>. Is there good data to work with?</a:t>
             </a:r>
             <a:endParaRPr lang="en-US" dirty="0"/>
           </a:p>
@@ -14633,11 +14602,7 @@
             </a:r>
             <a:r>
               <a:rPr lang="en-US" dirty="0" smtClean="0"/>
-              <a:t>. Is </a:t>
-            </a:r>
-            <a:r>
-              <a:rPr lang="en-US" dirty="0" smtClean="0"/>
-              <a:t>there good data to work with?</a:t>
+              <a:t>. Is there good data to work with?</a:t>
             </a:r>
             <a:endParaRPr lang="en-US" dirty="0"/>
           </a:p>
@@ -18504,11 +18469,7 @@
             </a:r>
             <a:r>
               <a:rPr lang="en-US" dirty="0" smtClean="0"/>
-              <a:t>. Is </a:t>
-            </a:r>
-            <a:r>
-              <a:rPr lang="en-US" dirty="0" smtClean="0"/>
-              <a:t>there good data to work with?</a:t>
+              <a:t>. Is there good data to work with?</a:t>
             </a:r>
             <a:endParaRPr lang="en-US" dirty="0"/>
           </a:p>
@@ -18807,17 +18768,7 @@
                 <a:effectLst/>
                 <a:latin typeface="+mj-lt"/>
               </a:rPr>
-              <a:t>and death</a:t>
-            </a:r>
-            <a:r>
-              <a:rPr kumimoji="0" lang="en-US" altLang="en-US" sz="1600" b="0" i="0" strike="noStrike" cap="none" normalizeH="0" baseline="0" dirty="0" smtClean="0">
-                <a:ln>
-                  <a:noFill/>
-                </a:ln>
-                <a:effectLst/>
-                <a:latin typeface="+mj-lt"/>
-              </a:rPr>
-              <a:t>.</a:t>
+              <a:t>and death.</a:t>
             </a:r>
             <a:endParaRPr kumimoji="0" lang="en-US" altLang="en-US" sz="1600" b="0" i="0" strike="noStrike" cap="none" normalizeH="0" baseline="0" dirty="0">
               <a:ln>
@@ -19050,27 +19001,7 @@
                 <a:effectLst/>
                 <a:latin typeface="+mj-lt"/>
               </a:rPr>
-              <a:t>CM) and </a:t>
-            </a:r>
-            <a:r>
-              <a:rPr kumimoji="0" lang="en-US" altLang="en-US" sz="1600" b="0" i="0" strike="noStrike" cap="none" normalizeH="0" baseline="0" dirty="0" smtClean="0">
-                <a:ln>
-                  <a:noFill/>
-                </a:ln>
-                <a:effectLst/>
-                <a:latin typeface="+mj-lt"/>
-              </a:rPr>
-              <a:t>CDPH </a:t>
-            </a:r>
-            <a:r>
-              <a:rPr kumimoji="0" lang="en-US" altLang="en-US" sz="1600" b="0" i="0" strike="noStrike" cap="none" normalizeH="0" baseline="0" dirty="0" smtClean="0">
-                <a:ln>
-                  <a:noFill/>
-                </a:ln>
-                <a:effectLst/>
-                <a:latin typeface="+mj-lt"/>
-              </a:rPr>
-              <a:t>asked (through </a:t>
+              <a:t>CM) and CDPH asked (through </a:t>
             </a:r>
             <a:r>
               <a:rPr kumimoji="0" lang="en-US" altLang="en-US" sz="1600" b="0" i="0" strike="noStrike" cap="none" normalizeH="0" baseline="0" dirty="0" err="1" smtClean="0">
@@ -19090,17 +19021,7 @@
                 <a:effectLst/>
                 <a:latin typeface="+mj-lt"/>
               </a:rPr>
-              <a:t> ) </a:t>
-            </a:r>
-            <a:r>
-              <a:rPr kumimoji="0" lang="en-US" altLang="en-US" sz="1600" b="0" i="0" strike="noStrike" cap="none" normalizeH="0" baseline="0" dirty="0" smtClean="0">
-                <a:ln>
-                  <a:noFill/>
-                </a:ln>
-                <a:effectLst/>
-                <a:latin typeface="+mj-lt"/>
-              </a:rPr>
-              <a:t>to </a:t>
+              <a:t> ) to </a:t>
             </a:r>
             <a:r>
               <a:rPr kumimoji="0" lang="en-US" altLang="en-US" sz="1600" b="0" i="0" strike="noStrike" cap="none" normalizeH="0" baseline="0" dirty="0">
@@ -19556,11 +19477,7 @@
             </a:r>
             <a:r>
               <a:rPr lang="en-US" dirty="0" smtClean="0"/>
-              <a:t>. Is </a:t>
-            </a:r>
-            <a:r>
-              <a:rPr lang="en-US" dirty="0" smtClean="0"/>
-              <a:t>there good data to work with?</a:t>
+              <a:t>. Is there good data to work with?</a:t>
             </a:r>
             <a:endParaRPr lang="en-US" dirty="0"/>
           </a:p>
@@ -19674,11 +19591,7 @@
             </a:r>
             <a:r>
               <a:rPr lang="en-US" dirty="0" smtClean="0"/>
-              <a:t>. Is </a:t>
-            </a:r>
-            <a:r>
-              <a:rPr lang="en-US" dirty="0" smtClean="0"/>
-              <a:t>there good data to work with?</a:t>
+              <a:t>. Is there good data to work with?</a:t>
             </a:r>
             <a:endParaRPr lang="en-US" dirty="0"/>
           </a:p>
@@ -20947,11 +20860,7 @@
             </a:r>
             <a:r>
               <a:rPr lang="en-US" dirty="0" smtClean="0"/>
-              <a:t>. Is there </a:t>
-            </a:r>
-            <a:r>
-              <a:rPr lang="en-US" dirty="0" smtClean="0"/>
-              <a:t>good data to work with?</a:t>
+              <a:t>. Is there good data to work with?</a:t>
             </a:r>
             <a:endParaRPr lang="en-US" dirty="0"/>
           </a:p>
@@ -21066,11 +20975,7 @@
             </a:r>
             <a:r>
               <a:rPr lang="en-US" dirty="0" smtClean="0"/>
-              <a:t>. Is </a:t>
-            </a:r>
-            <a:r>
-              <a:rPr lang="en-US" dirty="0" smtClean="0"/>
-              <a:t>there good data to work with?</a:t>
+              <a:t>. Is there good data to work with?</a:t>
             </a:r>
             <a:endParaRPr lang="en-US" dirty="0"/>
           </a:p>
@@ -21215,11 +21120,7 @@
             </a:r>
             <a:r>
               <a:rPr lang="en-US" dirty="0" smtClean="0"/>
-              <a:t>. Is </a:t>
-            </a:r>
-            <a:r>
-              <a:rPr lang="en-US" dirty="0" smtClean="0"/>
-              <a:t>there good data to work with?</a:t>
+              <a:t>. Is there good data to work with?</a:t>
             </a:r>
             <a:endParaRPr lang="en-US" dirty="0"/>
           </a:p>
@@ -21481,11 +21382,7 @@
             </a:r>
             <a:r>
               <a:rPr lang="en-US" dirty="0" smtClean="0"/>
-              <a:t>. Is </a:t>
-            </a:r>
-            <a:r>
-              <a:rPr lang="en-US" dirty="0" smtClean="0"/>
-              <a:t>there good data to work with?</a:t>
+              <a:t>. Is there good data to work with?</a:t>
             </a:r>
             <a:endParaRPr lang="en-US" dirty="0"/>
           </a:p>
@@ -21853,11 +21750,7 @@
             </a:r>
             <a:r>
               <a:rPr lang="en-US" dirty="0" smtClean="0"/>
-              <a:t>. Is </a:t>
-            </a:r>
-            <a:r>
-              <a:rPr lang="en-US" dirty="0" smtClean="0"/>
-              <a:t>there good data to work with?</a:t>
+              <a:t>. Is there good data to work with?</a:t>
             </a:r>
             <a:endParaRPr lang="en-US" dirty="0"/>
           </a:p>
@@ -22764,17 +22657,7 @@
                 <a:effectLst/>
                 <a:latin typeface="+mj-lt"/>
               </a:rPr>
-              <a:t>and death</a:t>
-            </a:r>
-            <a:r>
-              <a:rPr kumimoji="0" lang="en-US" altLang="en-US" sz="1600" b="0" i="0" strike="noStrike" cap="none" normalizeH="0" baseline="0" dirty="0" smtClean="0">
-                <a:ln>
-                  <a:noFill/>
-                </a:ln>
-                <a:effectLst/>
-                <a:latin typeface="+mj-lt"/>
-              </a:rPr>
-              <a:t>.</a:t>
+              <a:t>and death.</a:t>
             </a:r>
             <a:endParaRPr kumimoji="0" lang="en-US" altLang="en-US" sz="1600" b="0" i="0" strike="noStrike" cap="none" normalizeH="0" baseline="0" dirty="0">
               <a:ln>
@@ -23007,27 +22890,7 @@
                 <a:effectLst/>
                 <a:latin typeface="+mj-lt"/>
               </a:rPr>
-              <a:t>CM) and </a:t>
-            </a:r>
-            <a:r>
-              <a:rPr kumimoji="0" lang="en-US" altLang="en-US" sz="1600" b="0" i="0" strike="noStrike" cap="none" normalizeH="0" baseline="0" dirty="0" smtClean="0">
-                <a:ln>
-                  <a:noFill/>
-                </a:ln>
-                <a:effectLst/>
-                <a:latin typeface="+mj-lt"/>
-              </a:rPr>
-              <a:t>CDPH </a:t>
-            </a:r>
-            <a:r>
-              <a:rPr kumimoji="0" lang="en-US" altLang="en-US" sz="1600" b="0" i="0" strike="noStrike" cap="none" normalizeH="0" baseline="0" dirty="0" smtClean="0">
-                <a:ln>
-                  <a:noFill/>
-                </a:ln>
-                <a:effectLst/>
-                <a:latin typeface="+mj-lt"/>
-              </a:rPr>
-              <a:t>asked (through </a:t>
+              <a:t>CM) and CDPH asked (through </a:t>
             </a:r>
             <a:r>
               <a:rPr kumimoji="0" lang="en-US" altLang="en-US" sz="1600" b="0" i="0" strike="noStrike" cap="none" normalizeH="0" baseline="0" dirty="0" err="1" smtClean="0">
@@ -23047,17 +22910,7 @@
                 <a:effectLst/>
                 <a:latin typeface="+mj-lt"/>
               </a:rPr>
-              <a:t> ) </a:t>
-            </a:r>
-            <a:r>
-              <a:rPr kumimoji="0" lang="en-US" altLang="en-US" sz="1600" b="0" i="0" strike="noStrike" cap="none" normalizeH="0" baseline="0" dirty="0" smtClean="0">
-                <a:ln>
-                  <a:noFill/>
-                </a:ln>
-                <a:effectLst/>
-                <a:latin typeface="+mj-lt"/>
-              </a:rPr>
-              <a:t>to </a:t>
+              <a:t> ) to </a:t>
             </a:r>
             <a:r>
               <a:rPr kumimoji="0" lang="en-US" altLang="en-US" sz="1600" b="0" i="0" strike="noStrike" cap="none" normalizeH="0" baseline="0" dirty="0">
@@ -23131,13 +22984,7 @@
               <a:rPr lang="en-US" altLang="en-US" sz="2600" b="1" i="1" dirty="0" smtClean="0">
                 <a:latin typeface="+mj-lt"/>
               </a:rPr>
-              <a:t>e </a:t>
-            </a:r>
-            <a:r>
-              <a:rPr lang="en-US" altLang="en-US" sz="2600" b="1" i="1" dirty="0" smtClean="0">
-                <a:latin typeface="+mj-lt"/>
-              </a:rPr>
-              <a:t>goal</a:t>
+              <a:t>e goal</a:t>
             </a:r>
             <a:r>
               <a:rPr lang="en-US" altLang="en-US" sz="2600" i="1" dirty="0" smtClean="0">
@@ -23190,19 +23037,7 @@
               <a:rPr lang="en-US" altLang="en-US" sz="1600" i="1" dirty="0" smtClean="0">
                 <a:latin typeface="+mj-lt"/>
               </a:rPr>
-              <a:t>“T</a:t>
-            </a:r>
-            <a:r>
-              <a:rPr lang="en-US" altLang="en-US" sz="1600" i="1" dirty="0" smtClean="0">
-                <a:latin typeface="+mj-lt"/>
-              </a:rPr>
-              <a:t>o </a:t>
-            </a:r>
-            <a:r>
-              <a:rPr lang="en-US" altLang="en-US" sz="1600" i="1" dirty="0" smtClean="0">
-                <a:latin typeface="+mj-lt"/>
-              </a:rPr>
-              <a:t>create </a:t>
+              <a:t>“To create </a:t>
             </a:r>
             <a:r>
               <a:rPr lang="en-US" altLang="en-US" sz="1600" i="1" dirty="0">
@@ -23264,17 +23099,7 @@
                 <a:effectLst/>
                 <a:latin typeface="+mj-lt"/>
               </a:rPr>
-              <a:t>CM </a:t>
-            </a:r>
-            <a:r>
-              <a:rPr kumimoji="0" lang="en-US" altLang="en-US" sz="1600" b="0" i="1" strike="noStrike" cap="none" normalizeH="0" baseline="0" dirty="0" smtClean="0">
-                <a:ln>
-                  <a:noFill/>
-                </a:ln>
-                <a:effectLst/>
-                <a:latin typeface="+mj-lt"/>
-              </a:rPr>
-              <a:t>and </a:t>
+              <a:t>CM and </a:t>
             </a:r>
             <a:r>
               <a:rPr kumimoji="0" lang="en-US" altLang="en-US" sz="1600" b="0" i="1" strike="noStrike" cap="none" normalizeH="0" baseline="0" dirty="0">
@@ -23542,11 +23367,7 @@
             </a:r>
             <a:r>
               <a:rPr lang="en-US" dirty="0" smtClean="0"/>
-              <a:t>. Is </a:t>
-            </a:r>
-            <a:r>
-              <a:rPr lang="en-US" dirty="0" smtClean="0"/>
-              <a:t>there good data to work with?</a:t>
+              <a:t>. Is there good data to work with?</a:t>
             </a:r>
             <a:endParaRPr lang="en-US" dirty="0"/>
           </a:p>
@@ -24311,15 +24132,7 @@
           <a:p>
             <a:r>
               <a:rPr lang="en-US" dirty="0" smtClean="0"/>
-              <a:t>II</a:t>
-            </a:r>
-            <a:r>
-              <a:rPr lang="en-US" dirty="0" smtClean="0"/>
-              <a:t>. </a:t>
-            </a:r>
-            <a:r>
-              <a:rPr lang="en-US" dirty="0" smtClean="0"/>
-              <a:t>How </a:t>
+              <a:t>II. How </a:t>
             </a:r>
             <a:r>
               <a:rPr lang="en-US" dirty="0"/>
@@ -24462,15 +24275,7 @@
           <a:p>
             <a:r>
               <a:rPr lang="en-US" dirty="0" smtClean="0"/>
-              <a:t>II</a:t>
-            </a:r>
-            <a:r>
-              <a:rPr lang="en-US" dirty="0" smtClean="0"/>
-              <a:t>. </a:t>
-            </a:r>
-            <a:r>
-              <a:rPr lang="en-US" dirty="0" smtClean="0"/>
-              <a:t>How </a:t>
+              <a:t>II. How </a:t>
             </a:r>
             <a:r>
               <a:rPr lang="en-US" dirty="0"/>
@@ -24531,7 +24336,6 @@
               <a:rPr lang="en-US" dirty="0"/>
               <a:t>Datasets could be merged according to location and time. Merging the datasets (e.g. ’Spray data’ with ‘Train data) should allow us to asses its usefulness to our purposes</a:t>
             </a:r>
-            <a:endParaRPr lang="en-US" dirty="0"/>
           </a:p>
         </p:txBody>
       </p:sp>
@@ -24657,15 +24461,7 @@
           <a:p>
             <a:r>
               <a:rPr lang="en-US" dirty="0" smtClean="0"/>
-              <a:t>II</a:t>
-            </a:r>
-            <a:r>
-              <a:rPr lang="en-US" dirty="0" smtClean="0"/>
-              <a:t>. </a:t>
-            </a:r>
-            <a:r>
-              <a:rPr lang="en-US" dirty="0" smtClean="0"/>
-              <a:t>How </a:t>
+              <a:t>II. How </a:t>
             </a:r>
             <a:r>
               <a:rPr lang="en-US" dirty="0"/>
@@ -24726,7 +24522,6 @@
               <a:rPr lang="en-US" dirty="0"/>
               <a:t>Datasets could be merged according to location and time. Merging the datasets (e.g. ’Spray data’ with ‘Train data) should allow us to asses its usefulness to our purposes</a:t>
             </a:r>
-            <a:endParaRPr lang="en-US" dirty="0"/>
           </a:p>
         </p:txBody>
       </p:sp>
@@ -24956,15 +24751,7 @@
           <a:p>
             <a:r>
               <a:rPr lang="en-US" dirty="0" smtClean="0"/>
-              <a:t>II</a:t>
-            </a:r>
-            <a:r>
-              <a:rPr lang="en-US" dirty="0" smtClean="0"/>
-              <a:t>. </a:t>
-            </a:r>
-            <a:r>
-              <a:rPr lang="en-US" dirty="0" smtClean="0"/>
-              <a:t>How </a:t>
+              <a:t>II. How </a:t>
             </a:r>
             <a:r>
               <a:rPr lang="en-US" dirty="0"/>
@@ -25011,7 +24798,6 @@
               <a:rPr lang="en-US" u="sng" dirty="0"/>
               <a:t>Spray Dataset</a:t>
             </a:r>
-            <a:endParaRPr lang="en-US" u="sng" dirty="0"/>
           </a:p>
         </p:txBody>
       </p:sp>
@@ -25116,15 +24902,7 @@
           <a:p>
             <a:r>
               <a:rPr lang="en-US" dirty="0" smtClean="0"/>
-              <a:t>II</a:t>
-            </a:r>
-            <a:r>
-              <a:rPr lang="en-US" dirty="0" smtClean="0"/>
-              <a:t>. </a:t>
-            </a:r>
-            <a:r>
-              <a:rPr lang="en-US" dirty="0" smtClean="0"/>
-              <a:t>How </a:t>
+              <a:t>II. How </a:t>
             </a:r>
             <a:r>
               <a:rPr lang="en-US" dirty="0"/>
@@ -25302,7 +25080,6 @@
               <a:rPr lang="en-US" u="sng" dirty="0"/>
               <a:t>Spray Dataset</a:t>
             </a:r>
-            <a:endParaRPr lang="en-US" u="sng" dirty="0"/>
           </a:p>
         </p:txBody>
       </p:sp>
@@ -25407,15 +25184,7 @@
           <a:p>
             <a:r>
               <a:rPr lang="en-US" dirty="0" smtClean="0"/>
-              <a:t>II</a:t>
-            </a:r>
-            <a:r>
-              <a:rPr lang="en-US" dirty="0" smtClean="0"/>
-              <a:t>. </a:t>
-            </a:r>
-            <a:r>
-              <a:rPr lang="en-US" dirty="0" smtClean="0"/>
-              <a:t>How </a:t>
+              <a:t>II. How </a:t>
             </a:r>
             <a:r>
               <a:rPr lang="en-US" dirty="0"/>
@@ -25668,7 +25437,6 @@
               <a:rPr lang="en-US" u="sng" dirty="0"/>
               <a:t>Spray Dataset</a:t>
             </a:r>
-            <a:endParaRPr lang="en-US" u="sng" dirty="0"/>
           </a:p>
         </p:txBody>
       </p:sp>
@@ -25773,15 +25541,7 @@
           <a:p>
             <a:r>
               <a:rPr lang="en-US" dirty="0" smtClean="0"/>
-              <a:t>II</a:t>
-            </a:r>
-            <a:r>
-              <a:rPr lang="en-US" dirty="0" smtClean="0"/>
-              <a:t>. </a:t>
-            </a:r>
-            <a:r>
-              <a:rPr lang="en-US" dirty="0" smtClean="0"/>
-              <a:t>How </a:t>
+              <a:t>II. How </a:t>
             </a:r>
             <a:r>
               <a:rPr lang="en-US" dirty="0"/>
@@ -26034,7 +25794,6 @@
               <a:rPr lang="en-US" u="sng" dirty="0"/>
               <a:t>Spray Dataset</a:t>
             </a:r>
-            <a:endParaRPr lang="en-US" u="sng" dirty="0"/>
           </a:p>
         </p:txBody>
       </p:sp>
@@ -26204,15 +25963,7 @@
           <a:p>
             <a:r>
               <a:rPr lang="en-US" dirty="0" smtClean="0"/>
-              <a:t>II</a:t>
-            </a:r>
-            <a:r>
-              <a:rPr lang="en-US" dirty="0" smtClean="0"/>
-              <a:t>. </a:t>
-            </a:r>
-            <a:r>
-              <a:rPr lang="en-US" dirty="0" smtClean="0"/>
-              <a:t>How </a:t>
+              <a:t>II. How </a:t>
             </a:r>
             <a:r>
               <a:rPr lang="en-US" dirty="0"/>
@@ -26465,7 +26216,6 @@
               <a:rPr lang="en-US" u="sng" dirty="0"/>
               <a:t>Spray Dataset</a:t>
             </a:r>
-            <a:endParaRPr lang="en-US" u="sng" dirty="0"/>
           </a:p>
         </p:txBody>
       </p:sp>
@@ -26692,15 +26442,7 @@
           <a:p>
             <a:r>
               <a:rPr lang="en-US" dirty="0" smtClean="0"/>
-              <a:t>II</a:t>
-            </a:r>
-            <a:r>
-              <a:rPr lang="en-US" dirty="0" smtClean="0"/>
-              <a:t>. </a:t>
-            </a:r>
-            <a:r>
-              <a:rPr lang="en-US" dirty="0" smtClean="0"/>
-              <a:t>How </a:t>
+              <a:t>II. How </a:t>
             </a:r>
             <a:r>
               <a:rPr lang="en-US" dirty="0"/>
@@ -26921,15 +26663,7 @@
           <a:p>
             <a:r>
               <a:rPr lang="en-US" dirty="0" smtClean="0"/>
-              <a:t>II</a:t>
-            </a:r>
-            <a:r>
-              <a:rPr lang="en-US" dirty="0" smtClean="0"/>
-              <a:t>. </a:t>
-            </a:r>
-            <a:r>
-              <a:rPr lang="en-US" dirty="0" smtClean="0"/>
-              <a:t>How </a:t>
+              <a:t>II. How </a:t>
             </a:r>
             <a:r>
               <a:rPr lang="en-US" dirty="0"/>
@@ -27209,15 +26943,7 @@
           <a:p>
             <a:r>
               <a:rPr lang="en-US" dirty="0" smtClean="0"/>
-              <a:t>II</a:t>
-            </a:r>
-            <a:r>
-              <a:rPr lang="en-US" dirty="0" smtClean="0"/>
-              <a:t>. </a:t>
-            </a:r>
-            <a:r>
-              <a:rPr lang="en-US" dirty="0" smtClean="0"/>
-              <a:t>How </a:t>
+              <a:t>II. How </a:t>
             </a:r>
             <a:r>
               <a:rPr lang="en-US" dirty="0"/>
@@ -27707,15 +27433,7 @@
           <a:p>
             <a:r>
               <a:rPr lang="en-US" dirty="0" smtClean="0"/>
-              <a:t>II</a:t>
-            </a:r>
-            <a:r>
-              <a:rPr lang="en-US" dirty="0" smtClean="0"/>
-              <a:t>. </a:t>
-            </a:r>
-            <a:r>
-              <a:rPr lang="en-US" dirty="0" smtClean="0"/>
-              <a:t>How </a:t>
+              <a:t>II. How </a:t>
             </a:r>
             <a:r>
               <a:rPr lang="en-US" dirty="0"/>
@@ -28465,15 +28183,7 @@
           <a:p>
             <a:r>
               <a:rPr lang="en-US" dirty="0" smtClean="0"/>
-              <a:t>II</a:t>
-            </a:r>
-            <a:r>
-              <a:rPr lang="en-US" dirty="0" smtClean="0"/>
-              <a:t>. </a:t>
-            </a:r>
-            <a:r>
-              <a:rPr lang="en-US" dirty="0" smtClean="0"/>
-              <a:t>How </a:t>
+              <a:t>II. How </a:t>
             </a:r>
             <a:r>
               <a:rPr lang="en-US" dirty="0"/>
@@ -28595,15 +28305,7 @@
           <a:p>
             <a:r>
               <a:rPr lang="en-US" dirty="0" smtClean="0"/>
-              <a:t>II</a:t>
-            </a:r>
-            <a:r>
-              <a:rPr lang="en-US" dirty="0" smtClean="0"/>
-              <a:t>. </a:t>
-            </a:r>
-            <a:r>
-              <a:rPr lang="en-US" dirty="0" smtClean="0"/>
-              <a:t>How </a:t>
+              <a:t>II. How </a:t>
             </a:r>
             <a:r>
               <a:rPr lang="en-US" dirty="0"/>
@@ -28815,15 +28517,7 @@
           <a:p>
             <a:r>
               <a:rPr lang="en-US" dirty="0" smtClean="0"/>
-              <a:t>II</a:t>
-            </a:r>
-            <a:r>
-              <a:rPr lang="en-US" dirty="0" smtClean="0"/>
-              <a:t>. </a:t>
-            </a:r>
-            <a:r>
-              <a:rPr lang="en-US" dirty="0" smtClean="0"/>
-              <a:t>How </a:t>
+              <a:t>II. How </a:t>
             </a:r>
             <a:r>
               <a:rPr lang="en-US" dirty="0"/>
@@ -29086,7 +28780,6 @@
               <a:rPr lang="en-US" sz="1600" dirty="0"/>
               <a:t>1</a:t>
             </a:r>
-            <a:endParaRPr lang="en-US" sz="1600" dirty="0"/>
           </a:p>
         </p:txBody>
       </p:sp>
@@ -29251,15 +28944,7 @@
           <a:p>
             <a:r>
               <a:rPr lang="en-US" dirty="0" smtClean="0"/>
-              <a:t>II</a:t>
-            </a:r>
-            <a:r>
-              <a:rPr lang="en-US" dirty="0" smtClean="0"/>
-              <a:t>. </a:t>
-            </a:r>
-            <a:r>
-              <a:rPr lang="en-US" dirty="0" smtClean="0"/>
-              <a:t>How </a:t>
+              <a:t>II. How </a:t>
             </a:r>
             <a:r>
               <a:rPr lang="en-US" dirty="0"/>
@@ -29462,7 +29147,6 @@
               <a:rPr lang="en-US" sz="1600" dirty="0"/>
               <a:t>1</a:t>
             </a:r>
-            <a:endParaRPr lang="en-US" sz="1600" dirty="0"/>
           </a:p>
         </p:txBody>
       </p:sp>
@@ -34472,43 +34156,7 @@
                 </a:solidFill>
                 <a:latin typeface="Helvetica Neue" charset="0"/>
               </a:rPr>
-              <a:t> of correlations can give a better </a:t>
-            </a:r>
-            <a:r>
-              <a:rPr lang="en-US" dirty="0">
-                <a:solidFill>
-                  <a:srgbClr val="000000"/>
-                </a:solidFill>
-                <a:latin typeface="Helvetica Neue" charset="0"/>
-              </a:rPr>
-              <a:t>sense </a:t>
-            </a:r>
-            <a:r>
-              <a:rPr lang="en-US" dirty="0">
-                <a:solidFill>
-                  <a:srgbClr val="000000"/>
-                </a:solidFill>
-                <a:latin typeface="Helvetica Neue" charset="0"/>
-              </a:rPr>
-              <a:t>of how these factors are linked to WNV. It allows us to see </a:t>
-            </a:r>
-            <a:r>
-              <a:rPr lang="en-US" dirty="0">
-                <a:solidFill>
-                  <a:srgbClr val="000000"/>
-                </a:solidFill>
-                <a:latin typeface="Helvetica Neue" charset="0"/>
-              </a:rPr>
-              <a:t>the directionality of the </a:t>
-            </a:r>
-            <a:r>
-              <a:rPr lang="en-US" dirty="0">
-                <a:solidFill>
-                  <a:srgbClr val="000000"/>
-                </a:solidFill>
-                <a:latin typeface="Helvetica Neue" charset="0"/>
-              </a:rPr>
-              <a:t>relationship:</a:t>
+              <a:t> of correlations can give a better sense of how these factors are linked to WNV. It allows us to see the directionality of the relationship:</a:t>
             </a:r>
           </a:p>
           <a:p>
@@ -34529,95 +34177,8 @@
                 </a:solidFill>
                 <a:latin typeface="Helvetica Neue" charset="0"/>
               </a:rPr>
-              <a:t>A</a:t>
-            </a:r>
-            <a:r>
-              <a:rPr lang="en-US" dirty="0">
-                <a:solidFill>
-                  <a:srgbClr val="000000"/>
-                </a:solidFill>
-                <a:latin typeface="Helvetica Neue" charset="0"/>
-              </a:rPr>
-              <a:t>ll factors involving wind </a:t>
-            </a:r>
-            <a:r>
-              <a:rPr lang="en-US" dirty="0">
-                <a:solidFill>
-                  <a:srgbClr val="000000"/>
-                </a:solidFill>
-                <a:latin typeface="Helvetica Neue" charset="0"/>
-              </a:rPr>
-              <a:t>have </a:t>
-            </a:r>
-            <a:r>
-              <a:rPr lang="en-US" dirty="0">
-                <a:solidFill>
-                  <a:srgbClr val="000000"/>
-                </a:solidFill>
-                <a:latin typeface="Helvetica Neue" charset="0"/>
-              </a:rPr>
-              <a:t>negative </a:t>
-            </a:r>
-            <a:r>
-              <a:rPr lang="en-US" dirty="0">
-                <a:solidFill>
-                  <a:srgbClr val="000000"/>
-                </a:solidFill>
-                <a:latin typeface="Helvetica Neue" charset="0"/>
-              </a:rPr>
-              <a:t>correlation with WNV </a:t>
-            </a:r>
-            <a:r>
-              <a:rPr lang="en-US" dirty="0">
-                <a:solidFill>
-                  <a:srgbClr val="000000"/>
-                </a:solidFill>
-                <a:latin typeface="Helvetica Neue" charset="0"/>
-              </a:rPr>
-              <a:t>response i.e. </a:t>
-            </a:r>
-            <a:r>
-              <a:rPr lang="en-US" dirty="0">
-                <a:solidFill>
-                  <a:srgbClr val="000000"/>
-                </a:solidFill>
-                <a:latin typeface="Helvetica Neue" charset="0"/>
-              </a:rPr>
-              <a:t>m</a:t>
-            </a:r>
-            <a:r>
-              <a:rPr lang="en-US" dirty="0">
-                <a:solidFill>
-                  <a:srgbClr val="000000"/>
-                </a:solidFill>
-                <a:latin typeface="Helvetica Neue" charset="0"/>
-              </a:rPr>
-              <a:t>ore </a:t>
-            </a:r>
-            <a:r>
-              <a:rPr lang="en-US" dirty="0">
-                <a:solidFill>
-                  <a:srgbClr val="000000"/>
-                </a:solidFill>
-                <a:latin typeface="Helvetica Neue" charset="0"/>
-              </a:rPr>
-              <a:t>WINDY -&gt; Less </a:t>
-            </a:r>
-            <a:r>
-              <a:rPr lang="en-US" dirty="0">
-                <a:solidFill>
-                  <a:srgbClr val="000000"/>
-                </a:solidFill>
-                <a:latin typeface="Helvetica Neue" charset="0"/>
-              </a:rPr>
-              <a:t>WNV.</a:t>
-            </a:r>
-            <a:endParaRPr lang="en-US" dirty="0">
-              <a:solidFill>
-                <a:srgbClr val="000000"/>
-              </a:solidFill>
-              <a:latin typeface="Helvetica Neue" charset="0"/>
-            </a:endParaRPr>
+              <a:t>All factors involving wind have negative correlation with WNV response i.e. more WINDY -&gt; Less WNV.</a:t>
+            </a:r>
           </a:p>
           <a:p>
             <a:pPr marL="285750" indent="-285750">
@@ -34637,34 +34198,7 @@
                 </a:solidFill>
                 <a:latin typeface="Helvetica Neue" charset="0"/>
               </a:rPr>
-              <a:t>A</a:t>
-            </a:r>
-            <a:r>
-              <a:rPr lang="en-US" dirty="0">
-                <a:solidFill>
-                  <a:srgbClr val="000000"/>
-                </a:solidFill>
-                <a:latin typeface="Helvetica Neue" charset="0"/>
-              </a:rPr>
-              <a:t>lthough a </a:t>
-            </a:r>
-            <a:r>
-              <a:rPr lang="en-US" dirty="0">
-                <a:solidFill>
-                  <a:srgbClr val="000000"/>
-                </a:solidFill>
-                <a:latin typeface="Helvetica Neue" charset="0"/>
-              </a:rPr>
-              <a:t>small effect, </a:t>
-            </a:r>
-            <a:r>
-              <a:rPr lang="en-US" dirty="0">
-                <a:solidFill>
-                  <a:srgbClr val="000000"/>
-                </a:solidFill>
-                <a:latin typeface="Helvetica Neue" charset="0"/>
-              </a:rPr>
-              <a:t>when we look at </a:t>
+              <a:t>Although a small effect, when we look at </a:t>
             </a:r>
             <a:r>
               <a:rPr lang="en-US" dirty="0" err="1">
@@ -34682,70 +34216,7 @@
                 </a:solidFill>
                 <a:latin typeface="Helvetica Neue" charset="0"/>
               </a:rPr>
-              <a:t>, we </a:t>
-            </a:r>
-            <a:r>
-              <a:rPr lang="en-US" dirty="0">
-                <a:solidFill>
-                  <a:srgbClr val="000000"/>
-                </a:solidFill>
-                <a:latin typeface="Helvetica Neue" charset="0"/>
-              </a:rPr>
-              <a:t>see </a:t>
-            </a:r>
-            <a:r>
-              <a:rPr lang="en-US" dirty="0">
-                <a:solidFill>
-                  <a:srgbClr val="000000"/>
-                </a:solidFill>
-                <a:latin typeface="Helvetica Neue" charset="0"/>
-              </a:rPr>
-              <a:t>that the </a:t>
-            </a:r>
-            <a:r>
-              <a:rPr lang="en-US" dirty="0">
-                <a:solidFill>
-                  <a:srgbClr val="000000"/>
-                </a:solidFill>
-                <a:latin typeface="Helvetica Neue" charset="0"/>
-              </a:rPr>
-              <a:t>m</a:t>
-            </a:r>
-            <a:r>
-              <a:rPr lang="en-US" dirty="0">
-                <a:solidFill>
-                  <a:srgbClr val="000000"/>
-                </a:solidFill>
-                <a:latin typeface="Helvetica Neue" charset="0"/>
-              </a:rPr>
-              <a:t>ore </a:t>
-            </a:r>
-            <a:r>
-              <a:rPr lang="en-US" dirty="0">
-                <a:solidFill>
-                  <a:srgbClr val="000000"/>
-                </a:solidFill>
-                <a:latin typeface="Helvetica Neue" charset="0"/>
-              </a:rPr>
-              <a:t>HUMID -&gt; the Less WNV (which is aligned with known facts about WNV </a:t>
-            </a:r>
-            <a:r>
-              <a:rPr lang="en-US" dirty="0">
-                <a:solidFill>
-                  <a:srgbClr val="000000"/>
-                </a:solidFill>
-                <a:latin typeface="Helvetica Neue" charset="0"/>
-              </a:rPr>
-              <a:t>which </a:t>
-            </a:r>
-            <a:r>
-              <a:rPr lang="en-US" dirty="0">
-                <a:solidFill>
-                  <a:srgbClr val="000000"/>
-                </a:solidFill>
-                <a:latin typeface="Helvetica Neue" charset="0"/>
-              </a:rPr>
-              <a:t>prefers dry conditions)</a:t>
+              <a:t>, we see that the more HUMID -&gt; the Less WNV (which is aligned with known facts about WNV which prefers dry conditions)</a:t>
             </a:r>
           </a:p>
           <a:p>
@@ -34784,25 +34255,7 @@
                 </a:solidFill>
                 <a:latin typeface="Helvetica Neue" charset="0"/>
               </a:rPr>
-              <a:t>” specie  is the most </a:t>
-            </a:r>
-            <a:r>
-              <a:rPr lang="en-US" dirty="0">
-                <a:solidFill>
-                  <a:srgbClr val="000000"/>
-                </a:solidFill>
-                <a:latin typeface="Helvetica Neue" charset="0"/>
-              </a:rPr>
-              <a:t>indicative of WNV response, </a:t>
-            </a:r>
-            <a:r>
-              <a:rPr lang="en-US" dirty="0">
-                <a:solidFill>
-                  <a:srgbClr val="000000"/>
-                </a:solidFill>
-                <a:latin typeface="Helvetica Neue" charset="0"/>
-              </a:rPr>
-              <a:t>“</a:t>
+              <a:t>” specie  is the most indicative of WNV response, “</a:t>
             </a:r>
             <a:r>
               <a:rPr lang="en-US" dirty="0" err="1">
@@ -34838,16 +34291,7 @@
                 </a:solidFill>
                 <a:latin typeface="Helvetica Neue" charset="0"/>
               </a:rPr>
-              <a:t>” indicative </a:t>
-            </a:r>
-            <a:r>
-              <a:rPr lang="en-US" dirty="0">
-                <a:solidFill>
-                  <a:srgbClr val="000000"/>
-                </a:solidFill>
-                <a:latin typeface="Helvetica Neue" charset="0"/>
-              </a:rPr>
-              <a:t>of NO-WNV</a:t>
+              <a:t>” indicative of NO-WNV</a:t>
             </a:r>
           </a:p>
           <a:p>
@@ -35211,11 +34655,7 @@
             </a:r>
             <a:r>
               <a:rPr lang="en-US" sz="1800" dirty="0"/>
-              <a:t>WNV </a:t>
-            </a:r>
-            <a:r>
-              <a:rPr lang="en-US" sz="1800" dirty="0"/>
-              <a:t>of occurrences </a:t>
+              <a:t>WNV of occurrences </a:t>
             </a:r>
             <a:r>
               <a:rPr lang="en-US" sz="1800" dirty="0" smtClean="0"/>
@@ -35886,19 +35326,7 @@
             </a:pPr>
             <a:r>
               <a:rPr lang="en-US" sz="1800" b="1" i="1" dirty="0" smtClean="0"/>
-              <a:t>* All rights reserved to </a:t>
-            </a:r>
-            <a:r>
-              <a:rPr lang="en-US" sz="1800" b="1" i="1" dirty="0" err="1" smtClean="0"/>
-              <a:t>Eran</a:t>
-            </a:r>
-            <a:r>
-              <a:rPr lang="en-US" sz="1800" b="1" i="1" dirty="0" smtClean="0"/>
-              <a:t> </a:t>
-            </a:r>
-            <a:r>
-              <a:rPr lang="en-US" sz="1800" b="1" i="1" dirty="0" err="1" smtClean="0"/>
-              <a:t>Schenker</a:t>
+              <a:t>* All rights reserved to Eran Schenker</a:t>
             </a:r>
             <a:endParaRPr lang="en-US" sz="1800" b="1" i="1" dirty="0"/>
           </a:p>
@@ -36153,11 +35581,7 @@
             </a:pPr>
             <a:r>
               <a:rPr lang="en-US" sz="2200" dirty="0" smtClean="0"/>
-              <a:t>What is the best model to use</a:t>
-            </a:r>
-            <a:r>
-              <a:rPr lang="en-US" sz="2200" dirty="0" smtClean="0"/>
-              <a:t>?</a:t>
+              <a:t>What is the best model to use?</a:t>
             </a:r>
             <a:endParaRPr lang="en-US" sz="2200" dirty="0"/>
           </a:p>
@@ -36168,11 +35592,7 @@
             </a:pPr>
             <a:r>
               <a:rPr lang="en-US" sz="2200" dirty="0"/>
-              <a:t>How can we optimize the model</a:t>
-            </a:r>
-            <a:r>
-              <a:rPr lang="en-US" sz="2200" dirty="0"/>
-              <a:t>?</a:t>
+              <a:t>How can we optimize the model?</a:t>
             </a:r>
           </a:p>
           <a:p>
@@ -36410,11 +35830,7 @@
             </a:pPr>
             <a:r>
               <a:rPr lang="en-US" sz="2200" dirty="0" smtClean="0"/>
-              <a:t>What is the best model to use</a:t>
-            </a:r>
-            <a:r>
-              <a:rPr lang="en-US" sz="2200" dirty="0" smtClean="0"/>
-              <a:t>?</a:t>
+              <a:t>What is the best model to use?</a:t>
             </a:r>
             <a:endParaRPr lang="en-US" sz="2200" dirty="0"/>
           </a:p>
@@ -36425,11 +35841,7 @@
             </a:pPr>
             <a:r>
               <a:rPr lang="en-US" sz="2200" dirty="0"/>
-              <a:t>How can we optimize the model</a:t>
-            </a:r>
-            <a:r>
-              <a:rPr lang="en-US" sz="2200" dirty="0"/>
-              <a:t>?</a:t>
+              <a:t>How can we optimize the model?</a:t>
             </a:r>
           </a:p>
           <a:p>
@@ -36474,11 +35886,7 @@
             </a:pPr>
             <a:r>
               <a:rPr lang="en-US" sz="2200" dirty="0" smtClean="0"/>
-              <a:t>What </a:t>
-            </a:r>
-            <a:r>
-              <a:rPr lang="en-US" sz="2200" dirty="0" smtClean="0"/>
-              <a:t>the model is revealing to us about WNV factors </a:t>
+              <a:t>What the model is revealing to us about WNV factors </a:t>
             </a:r>
           </a:p>
           <a:p>
@@ -36488,11 +35896,7 @@
             </a:pPr>
             <a:r>
               <a:rPr lang="en-US" sz="2200" dirty="0" smtClean="0"/>
-              <a:t>Final </a:t>
-            </a:r>
-            <a:r>
-              <a:rPr lang="en-US" sz="2200" dirty="0" smtClean="0"/>
-              <a:t>actionable recommendations for Chicago Municipality and Department of Public Health</a:t>
+              <a:t>Final actionable recommendations for Chicago Municipality and Department of Public Health</a:t>
             </a:r>
           </a:p>
           <a:p>
@@ -36569,11 +35973,7 @@
             </a:r>
             <a:r>
               <a:rPr lang="en-US" dirty="0" smtClean="0"/>
-              <a:t>. Is </a:t>
-            </a:r>
-            <a:r>
-              <a:rPr lang="en-US" dirty="0" smtClean="0"/>
-              <a:t>there good data to work with?</a:t>
+              <a:t>. Is there good data to work with?</a:t>
             </a:r>
             <a:endParaRPr lang="en-US" dirty="0"/>
           </a:p>

--- a/WNV_Detection.pptx
+++ b/WNV_Detection.pptx
@@ -9,8 +9,8 @@
   </p:notesMasterIdLst>
   <p:sldIdLst>
     <p:sldId id="256" r:id="rId2"/>
-    <p:sldId id="257" r:id="rId3"/>
-    <p:sldId id="325" r:id="rId4"/>
+    <p:sldId id="325" r:id="rId3"/>
+    <p:sldId id="329" r:id="rId4"/>
     <p:sldId id="295" r:id="rId5"/>
     <p:sldId id="326" r:id="rId6"/>
     <p:sldId id="297" r:id="rId7"/>
@@ -194,6 +194,7 @@
   </mc:AlternateContent>
   <c:chart>
     <c:title>
+      <c:layout/>
       <c:overlay val="0"/>
       <c:spPr>
         <a:noFill/>
@@ -299,11 +300,11 @@
           <c:showBubbleSize val="0"/>
         </c:dLbls>
         <c:gapWidth val="182"/>
-        <c:axId val="-2031292576"/>
-        <c:axId val="-2047474256"/>
+        <c:axId val="1000076000"/>
+        <c:axId val="1000109808"/>
       </c:barChart>
       <c:catAx>
-        <c:axId val="-2031292576"/>
+        <c:axId val="1000076000"/>
         <c:scaling>
           <c:orientation val="minMax"/>
         </c:scaling>
@@ -346,7 +347,7 @@
             <a:endParaRPr lang="en-US"/>
           </a:p>
         </c:txPr>
-        <c:crossAx val="-2047474256"/>
+        <c:crossAx val="1000109808"/>
         <c:crosses val="autoZero"/>
         <c:auto val="1"/>
         <c:lblAlgn val="ctr"/>
@@ -354,7 +355,7 @@
         <c:noMultiLvlLbl val="0"/>
       </c:catAx>
       <c:valAx>
-        <c:axId val="-2047474256"/>
+        <c:axId val="1000109808"/>
         <c:scaling>
           <c:orientation val="minMax"/>
           <c:max val="1.0"/>
@@ -407,7 +408,7 @@
             <a:endParaRPr lang="en-US"/>
           </a:p>
         </c:txPr>
-        <c:crossAx val="-2031292576"/>
+        <c:crossAx val="1000076000"/>
         <c:crosses val="autoZero"/>
         <c:crossBetween val="between"/>
         <c:majorUnit val="0.1"/>
@@ -462,6 +463,7 @@
   </mc:AlternateContent>
   <c:chart>
     <c:title>
+      <c:layout/>
       <c:overlay val="0"/>
       <c:spPr>
         <a:noFill/>
@@ -567,11 +569,11 @@
           <c:showBubbleSize val="0"/>
         </c:dLbls>
         <c:gapWidth val="182"/>
-        <c:axId val="2088664240"/>
-        <c:axId val="-2144561488"/>
+        <c:axId val="1673728944"/>
+        <c:axId val="1673722592"/>
       </c:barChart>
       <c:catAx>
-        <c:axId val="2088664240"/>
+        <c:axId val="1673728944"/>
         <c:scaling>
           <c:orientation val="minMax"/>
         </c:scaling>
@@ -614,7 +616,7 @@
             <a:endParaRPr lang="en-US"/>
           </a:p>
         </c:txPr>
-        <c:crossAx val="-2144561488"/>
+        <c:crossAx val="1673722592"/>
         <c:crosses val="autoZero"/>
         <c:auto val="1"/>
         <c:lblAlgn val="ctr"/>
@@ -622,7 +624,7 @@
         <c:noMultiLvlLbl val="0"/>
       </c:catAx>
       <c:valAx>
-        <c:axId val="-2144561488"/>
+        <c:axId val="1673722592"/>
         <c:scaling>
           <c:orientation val="minMax"/>
           <c:max val="1.0"/>
@@ -675,7 +677,7 @@
             <a:endParaRPr lang="en-US"/>
           </a:p>
         </c:txPr>
-        <c:crossAx val="2088664240"/>
+        <c:crossAx val="1673728944"/>
         <c:crosses val="autoZero"/>
         <c:crossBetween val="between"/>
         <c:majorUnit val="0.1"/>
@@ -1881,7 +1883,7 @@
           <a:p>
             <a:fld id="{1A7E8373-6078-DD4D-BB58-0132AF378CBB}" type="datetimeFigureOut">
               <a:rPr lang="en-US" smtClean="0"/>
-              <a:t>3/13/19</a:t>
+              <a:t>3/18/19</a:t>
             </a:fld>
             <a:endParaRPr lang="en-US"/>
           </a:p>
@@ -3996,7 +3998,7 @@
           <a:p>
             <a:fld id="{6E9A68D2-CA34-5F4A-8B56-79A0D963771F}" type="datetimeFigureOut">
               <a:rPr lang="en-US" smtClean="0"/>
-              <a:t>3/13/19</a:t>
+              <a:t>3/18/19</a:t>
             </a:fld>
             <a:endParaRPr lang="en-US"/>
           </a:p>
@@ -4166,7 +4168,7 @@
           <a:p>
             <a:fld id="{6E9A68D2-CA34-5F4A-8B56-79A0D963771F}" type="datetimeFigureOut">
               <a:rPr lang="en-US" smtClean="0"/>
-              <a:t>3/13/19</a:t>
+              <a:t>3/18/19</a:t>
             </a:fld>
             <a:endParaRPr lang="en-US"/>
           </a:p>
@@ -4346,7 +4348,7 @@
           <a:p>
             <a:fld id="{6E9A68D2-CA34-5F4A-8B56-79A0D963771F}" type="datetimeFigureOut">
               <a:rPr lang="en-US" smtClean="0"/>
-              <a:t>3/13/19</a:t>
+              <a:t>3/18/19</a:t>
             </a:fld>
             <a:endParaRPr lang="en-US"/>
           </a:p>
@@ -4516,7 +4518,7 @@
           <a:p>
             <a:fld id="{6E9A68D2-CA34-5F4A-8B56-79A0D963771F}" type="datetimeFigureOut">
               <a:rPr lang="en-US" smtClean="0"/>
-              <a:t>3/13/19</a:t>
+              <a:t>3/18/19</a:t>
             </a:fld>
             <a:endParaRPr lang="en-US"/>
           </a:p>
@@ -4762,7 +4764,7 @@
           <a:p>
             <a:fld id="{6E9A68D2-CA34-5F4A-8B56-79A0D963771F}" type="datetimeFigureOut">
               <a:rPr lang="en-US" smtClean="0"/>
-              <a:t>3/13/19</a:t>
+              <a:t>3/18/19</a:t>
             </a:fld>
             <a:endParaRPr lang="en-US"/>
           </a:p>
@@ -4994,7 +4996,7 @@
           <a:p>
             <a:fld id="{6E9A68D2-CA34-5F4A-8B56-79A0D963771F}" type="datetimeFigureOut">
               <a:rPr lang="en-US" smtClean="0"/>
-              <a:t>3/13/19</a:t>
+              <a:t>3/18/19</a:t>
             </a:fld>
             <a:endParaRPr lang="en-US"/>
           </a:p>
@@ -5361,7 +5363,7 @@
           <a:p>
             <a:fld id="{6E9A68D2-CA34-5F4A-8B56-79A0D963771F}" type="datetimeFigureOut">
               <a:rPr lang="en-US" smtClean="0"/>
-              <a:t>3/13/19</a:t>
+              <a:t>3/18/19</a:t>
             </a:fld>
             <a:endParaRPr lang="en-US"/>
           </a:p>
@@ -5479,7 +5481,7 @@
           <a:p>
             <a:fld id="{6E9A68D2-CA34-5F4A-8B56-79A0D963771F}" type="datetimeFigureOut">
               <a:rPr lang="en-US" smtClean="0"/>
-              <a:t>3/13/19</a:t>
+              <a:t>3/18/19</a:t>
             </a:fld>
             <a:endParaRPr lang="en-US"/>
           </a:p>
@@ -5574,7 +5576,7 @@
           <a:p>
             <a:fld id="{6E9A68D2-CA34-5F4A-8B56-79A0D963771F}" type="datetimeFigureOut">
               <a:rPr lang="en-US" smtClean="0"/>
-              <a:t>3/13/19</a:t>
+              <a:t>3/18/19</a:t>
             </a:fld>
             <a:endParaRPr lang="en-US"/>
           </a:p>
@@ -5851,7 +5853,7 @@
           <a:p>
             <a:fld id="{6E9A68D2-CA34-5F4A-8B56-79A0D963771F}" type="datetimeFigureOut">
               <a:rPr lang="en-US" smtClean="0"/>
-              <a:t>3/13/19</a:t>
+              <a:t>3/18/19</a:t>
             </a:fld>
             <a:endParaRPr lang="en-US"/>
           </a:p>
@@ -6104,7 +6106,7 @@
           <a:p>
             <a:fld id="{6E9A68D2-CA34-5F4A-8B56-79A0D963771F}" type="datetimeFigureOut">
               <a:rPr lang="en-US" smtClean="0"/>
-              <a:t>3/13/19</a:t>
+              <a:t>3/18/19</a:t>
             </a:fld>
             <a:endParaRPr lang="en-US"/>
           </a:p>
@@ -6317,7 +6319,7 @@
           <a:p>
             <a:fld id="{6E9A68D2-CA34-5F4A-8B56-79A0D963771F}" type="datetimeFigureOut">
               <a:rPr lang="en-US" smtClean="0"/>
-              <a:t>3/13/19</a:t>
+              <a:t>3/18/19</a:t>
             </a:fld>
             <a:endParaRPr lang="en-US"/>
           </a:p>
@@ -18522,7 +18524,12 @@
             <p:ph type="title"/>
           </p:nvPr>
         </p:nvSpPr>
-        <p:spPr/>
+        <p:spPr>
+          <a:xfrm>
+            <a:off x="838200" y="203760"/>
+            <a:ext cx="10515600" cy="1325563"/>
+          </a:xfrm>
+        </p:spPr>
         <p:txBody>
           <a:bodyPr/>
           <a:lstStyle/>
@@ -18546,7 +18553,7 @@
         </p:nvSpPr>
         <p:spPr bwMode="auto">
           <a:xfrm>
-            <a:off x="2082112" y="1402210"/>
+            <a:off x="2082112" y="1391132"/>
             <a:ext cx="7780637" cy="3447098"/>
           </a:xfrm>
           <a:prstGeom prst="rect">
@@ -19033,13 +19040,18 @@
               </a:rPr>
               <a:t>predict when and where different species of mosquitos will test positive for West Nile virus. </a:t>
             </a:r>
-            <a:endParaRPr kumimoji="0" lang="en-US" altLang="en-US" sz="1600" b="0" i="0" strike="noStrike" cap="none" normalizeH="0" baseline="0" dirty="0" smtClean="0">
-              <a:ln>
-                <a:noFill/>
-              </a:ln>
-              <a:effectLst/>
-              <a:latin typeface="+mj-lt"/>
-            </a:endParaRPr>
+            <a:r>
+              <a:rPr lang="en-US" altLang="en-US" sz="900" dirty="0">
+                <a:latin typeface="+mj-lt"/>
+              </a:rPr>
+              <a:t> </a:t>
+            </a:r>
+            <a:r>
+              <a:rPr lang="en-US" altLang="en-US" sz="600" dirty="0" smtClean="0">
+                <a:latin typeface="+mj-lt"/>
+              </a:rPr>
+              <a:t> </a:t>
+            </a:r>
           </a:p>
           <a:p>
             <a:pPr marL="285750" marR="0" lvl="0" indent="-285750" algn="l" defTabSz="914400" rtl="0" eaLnBrk="0" fontAlgn="base" latinLnBrk="0" hangingPunct="0">
@@ -19175,7 +19187,7 @@
     </p:spTree>
     <p:extLst>
       <p:ext uri="{BB962C8B-B14F-4D97-AF65-F5344CB8AC3E}">
-        <p14:creationId xmlns:p14="http://schemas.microsoft.com/office/powerpoint/2010/main" val="699742311"/>
+        <p14:creationId xmlns:p14="http://schemas.microsoft.com/office/powerpoint/2010/main" val="1872259128"/>
       </p:ext>
     </p:extLst>
   </p:cSld>
@@ -22411,7 +22423,12 @@
             <p:ph type="title"/>
           </p:nvPr>
         </p:nvSpPr>
-        <p:spPr/>
+        <p:spPr>
+          <a:xfrm>
+            <a:off x="838200" y="203760"/>
+            <a:ext cx="10515600" cy="1325563"/>
+          </a:xfrm>
+        </p:spPr>
         <p:txBody>
           <a:bodyPr/>
           <a:lstStyle/>
@@ -22435,8 +22452,8 @@
         </p:nvSpPr>
         <p:spPr bwMode="auto">
           <a:xfrm>
-            <a:off x="2082113" y="1399397"/>
-            <a:ext cx="7780637" cy="4770537"/>
+            <a:off x="2082112" y="1376667"/>
+            <a:ext cx="7780637" cy="4955203"/>
           </a:xfrm>
           <a:prstGeom prst="rect">
             <a:avLst/>
@@ -22922,13 +22939,18 @@
               </a:rPr>
               <a:t>predict when and where different species of mosquitos will test positive for West Nile virus. </a:t>
             </a:r>
-            <a:endParaRPr kumimoji="0" lang="en-US" altLang="en-US" sz="1600" b="0" i="0" strike="noStrike" cap="none" normalizeH="0" baseline="0" dirty="0" smtClean="0">
-              <a:ln>
-                <a:noFill/>
-              </a:ln>
-              <a:effectLst/>
-              <a:latin typeface="+mj-lt"/>
-            </a:endParaRPr>
+            <a:r>
+              <a:rPr lang="en-US" altLang="en-US" sz="900" dirty="0">
+                <a:latin typeface="+mj-lt"/>
+              </a:rPr>
+              <a:t> </a:t>
+            </a:r>
+            <a:r>
+              <a:rPr lang="en-US" altLang="en-US" sz="600" dirty="0" smtClean="0">
+                <a:latin typeface="+mj-lt"/>
+              </a:rPr>
+              <a:t> </a:t>
+            </a:r>
           </a:p>
           <a:p>
             <a:pPr marL="285750" marR="0" lvl="0" indent="-285750" algn="l" defTabSz="914400" rtl="0" eaLnBrk="0" fontAlgn="base" latinLnBrk="0" hangingPunct="0">
@@ -22971,32 +22993,12 @@
               <a:tabLst/>
             </a:pPr>
             <a:r>
-              <a:rPr kumimoji="0" lang="en-US" altLang="en-US" sz="2600" b="1" i="1" strike="noStrike" cap="none" normalizeH="0" baseline="0" dirty="0" smtClean="0">
-                <a:ln>
-                  <a:noFill/>
-                </a:ln>
-                <a:effectLst/>
+              <a:rPr lang="en-US" altLang="en-US" sz="3800" dirty="0">
                 <a:latin typeface="+mj-lt"/>
+                <a:ea typeface="+mj-ea"/>
+                <a:cs typeface="+mj-cs"/>
               </a:rPr>
-              <a:t>Th</a:t>
-            </a:r>
-            <a:r>
-              <a:rPr lang="en-US" altLang="en-US" sz="2600" b="1" i="1" dirty="0" smtClean="0">
-                <a:latin typeface="+mj-lt"/>
-              </a:rPr>
-              <a:t>e goal</a:t>
-            </a:r>
-            <a:r>
-              <a:rPr lang="en-US" altLang="en-US" sz="2600" i="1" dirty="0" smtClean="0">
-                <a:latin typeface="+mj-lt"/>
-              </a:rPr>
-              <a:t> </a:t>
-            </a:r>
-            <a:r>
-              <a:rPr lang="en-US" altLang="en-US" sz="1200" i="1" dirty="0" smtClean="0">
-                <a:latin typeface="+mj-lt"/>
-              </a:rPr>
-              <a:t> </a:t>
+              <a:t>The goal  </a:t>
             </a:r>
           </a:p>
           <a:p>
@@ -23261,7 +23263,7 @@
     </p:spTree>
     <p:extLst>
       <p:ext uri="{BB962C8B-B14F-4D97-AF65-F5344CB8AC3E}">
-        <p14:creationId xmlns:p14="http://schemas.microsoft.com/office/powerpoint/2010/main" val="1872259128"/>
+        <p14:creationId xmlns:p14="http://schemas.microsoft.com/office/powerpoint/2010/main" val="1132129794"/>
       </p:ext>
     </p:extLst>
   </p:cSld>

--- a/WNV_Detection.pptx
+++ b/WNV_Detection.pptx
@@ -5,7 +5,7 @@
     <p:sldMasterId id="2147483648" r:id="rId1"/>
   </p:sldMasterIdLst>
   <p:notesMasterIdLst>
-    <p:notesMasterId r:id="rId67"/>
+    <p:notesMasterId r:id="rId68"/>
   </p:notesMasterIdLst>
   <p:sldIdLst>
     <p:sldId id="256" r:id="rId2"/>
@@ -69,10 +69,11 @@
     <p:sldId id="294" r:id="rId60"/>
     <p:sldId id="327" r:id="rId61"/>
     <p:sldId id="290" r:id="rId62"/>
-    <p:sldId id="291" r:id="rId63"/>
-    <p:sldId id="328" r:id="rId64"/>
-    <p:sldId id="293" r:id="rId65"/>
-    <p:sldId id="292" r:id="rId66"/>
+    <p:sldId id="330" r:id="rId63"/>
+    <p:sldId id="291" r:id="rId64"/>
+    <p:sldId id="328" r:id="rId65"/>
+    <p:sldId id="293" r:id="rId66"/>
+    <p:sldId id="292" r:id="rId67"/>
   </p:sldIdLst>
   <p:sldSz cx="12192000" cy="6858000"/>
   <p:notesSz cx="6858000" cy="9144000"/>
@@ -194,7 +195,6 @@
   </mc:AlternateContent>
   <c:chart>
     <c:title>
-      <c:layout/>
       <c:overlay val="0"/>
       <c:spPr>
         <a:noFill/>
@@ -300,11 +300,11 @@
           <c:showBubbleSize val="0"/>
         </c:dLbls>
         <c:gapWidth val="182"/>
-        <c:axId val="1000076000"/>
-        <c:axId val="1000109808"/>
+        <c:axId val="1029616064"/>
+        <c:axId val="2023675712"/>
       </c:barChart>
       <c:catAx>
-        <c:axId val="1000076000"/>
+        <c:axId val="1029616064"/>
         <c:scaling>
           <c:orientation val="minMax"/>
         </c:scaling>
@@ -347,7 +347,7 @@
             <a:endParaRPr lang="en-US"/>
           </a:p>
         </c:txPr>
-        <c:crossAx val="1000109808"/>
+        <c:crossAx val="2023675712"/>
         <c:crosses val="autoZero"/>
         <c:auto val="1"/>
         <c:lblAlgn val="ctr"/>
@@ -355,7 +355,7 @@
         <c:noMultiLvlLbl val="0"/>
       </c:catAx>
       <c:valAx>
-        <c:axId val="1000109808"/>
+        <c:axId val="2023675712"/>
         <c:scaling>
           <c:orientation val="minMax"/>
           <c:max val="1.0"/>
@@ -408,7 +408,7 @@
             <a:endParaRPr lang="en-US"/>
           </a:p>
         </c:txPr>
-        <c:crossAx val="1000076000"/>
+        <c:crossAx val="1029616064"/>
         <c:crosses val="autoZero"/>
         <c:crossBetween val="between"/>
         <c:majorUnit val="0.1"/>
@@ -463,7 +463,6 @@
   </mc:AlternateContent>
   <c:chart>
     <c:title>
-      <c:layout/>
       <c:overlay val="0"/>
       <c:spPr>
         <a:noFill/>
@@ -569,11 +568,11 @@
           <c:showBubbleSize val="0"/>
         </c:dLbls>
         <c:gapWidth val="182"/>
-        <c:axId val="1673728944"/>
-        <c:axId val="1673722592"/>
+        <c:axId val="-2090883088"/>
+        <c:axId val="-2090881680"/>
       </c:barChart>
       <c:catAx>
-        <c:axId val="1673728944"/>
+        <c:axId val="-2090883088"/>
         <c:scaling>
           <c:orientation val="minMax"/>
         </c:scaling>
@@ -616,7 +615,7 @@
             <a:endParaRPr lang="en-US"/>
           </a:p>
         </c:txPr>
-        <c:crossAx val="1673722592"/>
+        <c:crossAx val="-2090881680"/>
         <c:crosses val="autoZero"/>
         <c:auto val="1"/>
         <c:lblAlgn val="ctr"/>
@@ -624,7 +623,7 @@
         <c:noMultiLvlLbl val="0"/>
       </c:catAx>
       <c:valAx>
-        <c:axId val="1673722592"/>
+        <c:axId val="-2090881680"/>
         <c:scaling>
           <c:orientation val="minMax"/>
           <c:max val="1.0"/>
@@ -677,7 +676,7 @@
             <a:endParaRPr lang="en-US"/>
           </a:p>
         </c:txPr>
-        <c:crossAx val="1673728944"/>
+        <c:crossAx val="-2090883088"/>
         <c:crosses val="autoZero"/>
         <c:crossBetween val="between"/>
         <c:majorUnit val="0.1"/>
@@ -1883,7 +1882,7 @@
           <a:p>
             <a:fld id="{1A7E8373-6078-DD4D-BB58-0132AF378CBB}" type="datetimeFigureOut">
               <a:rPr lang="en-US" smtClean="0"/>
-              <a:t>3/18/19</a:t>
+              <a:t>3/19/19</a:t>
             </a:fld>
             <a:endParaRPr lang="en-US"/>
           </a:p>
@@ -3998,7 +3997,7 @@
           <a:p>
             <a:fld id="{6E9A68D2-CA34-5F4A-8B56-79A0D963771F}" type="datetimeFigureOut">
               <a:rPr lang="en-US" smtClean="0"/>
-              <a:t>3/18/19</a:t>
+              <a:t>3/19/19</a:t>
             </a:fld>
             <a:endParaRPr lang="en-US"/>
           </a:p>
@@ -4168,7 +4167,7 @@
           <a:p>
             <a:fld id="{6E9A68D2-CA34-5F4A-8B56-79A0D963771F}" type="datetimeFigureOut">
               <a:rPr lang="en-US" smtClean="0"/>
-              <a:t>3/18/19</a:t>
+              <a:t>3/19/19</a:t>
             </a:fld>
             <a:endParaRPr lang="en-US"/>
           </a:p>
@@ -4348,7 +4347,7 @@
           <a:p>
             <a:fld id="{6E9A68D2-CA34-5F4A-8B56-79A0D963771F}" type="datetimeFigureOut">
               <a:rPr lang="en-US" smtClean="0"/>
-              <a:t>3/18/19</a:t>
+              <a:t>3/19/19</a:t>
             </a:fld>
             <a:endParaRPr lang="en-US"/>
           </a:p>
@@ -4518,7 +4517,7 @@
           <a:p>
             <a:fld id="{6E9A68D2-CA34-5F4A-8B56-79A0D963771F}" type="datetimeFigureOut">
               <a:rPr lang="en-US" smtClean="0"/>
-              <a:t>3/18/19</a:t>
+              <a:t>3/19/19</a:t>
             </a:fld>
             <a:endParaRPr lang="en-US"/>
           </a:p>
@@ -4764,7 +4763,7 @@
           <a:p>
             <a:fld id="{6E9A68D2-CA34-5F4A-8B56-79A0D963771F}" type="datetimeFigureOut">
               <a:rPr lang="en-US" smtClean="0"/>
-              <a:t>3/18/19</a:t>
+              <a:t>3/19/19</a:t>
             </a:fld>
             <a:endParaRPr lang="en-US"/>
           </a:p>
@@ -4996,7 +4995,7 @@
           <a:p>
             <a:fld id="{6E9A68D2-CA34-5F4A-8B56-79A0D963771F}" type="datetimeFigureOut">
               <a:rPr lang="en-US" smtClean="0"/>
-              <a:t>3/18/19</a:t>
+              <a:t>3/19/19</a:t>
             </a:fld>
             <a:endParaRPr lang="en-US"/>
           </a:p>
@@ -5363,7 +5362,7 @@
           <a:p>
             <a:fld id="{6E9A68D2-CA34-5F4A-8B56-79A0D963771F}" type="datetimeFigureOut">
               <a:rPr lang="en-US" smtClean="0"/>
-              <a:t>3/18/19</a:t>
+              <a:t>3/19/19</a:t>
             </a:fld>
             <a:endParaRPr lang="en-US"/>
           </a:p>
@@ -5481,7 +5480,7 @@
           <a:p>
             <a:fld id="{6E9A68D2-CA34-5F4A-8B56-79A0D963771F}" type="datetimeFigureOut">
               <a:rPr lang="en-US" smtClean="0"/>
-              <a:t>3/18/19</a:t>
+              <a:t>3/19/19</a:t>
             </a:fld>
             <a:endParaRPr lang="en-US"/>
           </a:p>
@@ -5576,7 +5575,7 @@
           <a:p>
             <a:fld id="{6E9A68D2-CA34-5F4A-8B56-79A0D963771F}" type="datetimeFigureOut">
               <a:rPr lang="en-US" smtClean="0"/>
-              <a:t>3/18/19</a:t>
+              <a:t>3/19/19</a:t>
             </a:fld>
             <a:endParaRPr lang="en-US"/>
           </a:p>
@@ -5853,7 +5852,7 @@
           <a:p>
             <a:fld id="{6E9A68D2-CA34-5F4A-8B56-79A0D963771F}" type="datetimeFigureOut">
               <a:rPr lang="en-US" smtClean="0"/>
-              <a:t>3/18/19</a:t>
+              <a:t>3/19/19</a:t>
             </a:fld>
             <a:endParaRPr lang="en-US"/>
           </a:p>
@@ -6106,7 +6105,7 @@
           <a:p>
             <a:fld id="{6E9A68D2-CA34-5F4A-8B56-79A0D963771F}" type="datetimeFigureOut">
               <a:rPr lang="en-US" smtClean="0"/>
-              <a:t>3/18/19</a:t>
+              <a:t>3/19/19</a:t>
             </a:fld>
             <a:endParaRPr lang="en-US"/>
           </a:p>
@@ -6319,7 +6318,7 @@
           <a:p>
             <a:fld id="{6E9A68D2-CA34-5F4A-8B56-79A0D963771F}" type="datetimeFigureOut">
               <a:rPr lang="en-US" smtClean="0"/>
-              <a:t>3/18/19</a:t>
+              <a:t>3/19/19</a:t>
             </a:fld>
             <a:endParaRPr lang="en-US"/>
           </a:p>
@@ -6736,7 +6735,7 @@
         </p:nvSpPr>
         <p:spPr>
           <a:xfrm>
-            <a:off x="1573426" y="-365532"/>
+            <a:off x="1398614" y="-763195"/>
             <a:ext cx="9362303" cy="2387600"/>
           </a:xfrm>
         </p:spPr>
@@ -6766,7 +6765,7 @@
         </p:nvSpPr>
         <p:spPr>
           <a:xfrm>
-            <a:off x="1449858" y="2022068"/>
+            <a:off x="1275046" y="1624405"/>
             <a:ext cx="9609438" cy="623973"/>
           </a:xfrm>
         </p:spPr>
@@ -6798,7 +6797,7 @@
         </p:nvSpPr>
         <p:spPr>
           <a:xfrm>
-            <a:off x="3127442" y="2646041"/>
+            <a:off x="3154336" y="2264544"/>
             <a:ext cx="5453352" cy="1323439"/>
           </a:xfrm>
           <a:prstGeom prst="rect">
@@ -6860,7 +6859,7 @@
         </p:blipFill>
         <p:spPr>
           <a:xfrm>
-            <a:off x="2478902" y="3969480"/>
+            <a:off x="2438560" y="3958752"/>
             <a:ext cx="7109941" cy="1838632"/>
           </a:xfrm>
           <a:prstGeom prst="rect">
@@ -6890,7 +6889,7 @@
         </p:blipFill>
         <p:spPr>
           <a:xfrm>
-            <a:off x="6328717" y="3912817"/>
+            <a:off x="6288375" y="3902089"/>
             <a:ext cx="1227706" cy="1071582"/>
           </a:xfrm>
           <a:prstGeom prst="rect">
@@ -6898,6 +6897,48 @@
           </a:prstGeom>
         </p:spPr>
       </p:pic>
+      <p:sp>
+        <p:nvSpPr>
+          <p:cNvPr id="7" name="TextBox 6"/>
+          <p:cNvSpPr txBox="1"/>
+          <p:nvPr/>
+        </p:nvSpPr>
+        <p:spPr>
+          <a:xfrm>
+            <a:off x="3762387" y="3296818"/>
+            <a:ext cx="4237250" cy="461665"/>
+          </a:xfrm>
+          <a:prstGeom prst="rect">
+            <a:avLst/>
+          </a:prstGeom>
+          <a:noFill/>
+        </p:spPr>
+        <p:txBody>
+          <a:bodyPr wrap="none" rtlCol="0">
+            <a:spAutoFit/>
+          </a:bodyPr>
+          <a:lstStyle/>
+          <a:p>
+            <a:r>
+              <a:rPr lang="en-US" sz="2400" b="1" dirty="0" smtClean="0">
+                <a:solidFill>
+                  <a:schemeClr val="accent2">
+                    <a:lumMod val="75000"/>
+                  </a:schemeClr>
+                </a:solidFill>
+              </a:rPr>
+              <a:t>Presentation For Data Scientists</a:t>
+            </a:r>
+            <a:endParaRPr lang="en-US" sz="2400" b="1" dirty="0">
+              <a:solidFill>
+                <a:schemeClr val="accent2">
+                  <a:lumMod val="75000"/>
+                </a:schemeClr>
+              </a:solidFill>
+            </a:endParaRPr>
+          </a:p>
+        </p:txBody>
+      </p:sp>
     </p:spTree>
     <p:extLst>
       <p:ext uri="{BB962C8B-B14F-4D97-AF65-F5344CB8AC3E}">
@@ -34370,16 +34411,378 @@
           <a:chExt cx="0" cy="0"/>
         </a:xfrm>
       </p:grpSpPr>
-      <p:sp>
-        <p:nvSpPr>
-          <p:cNvPr id="4" name="Rectangle 3"/>
+      <p:graphicFrame>
+        <p:nvGraphicFramePr>
+          <p:cNvPr id="4" name="Content Placeholder 3"/>
+          <p:cNvGraphicFramePr>
+            <a:graphicFrameLocks noGrp="1"/>
+          </p:cNvGraphicFramePr>
+          <p:nvPr>
+            <p:ph idx="1"/>
+            <p:extLst/>
+          </p:nvPr>
+        </p:nvGraphicFramePr>
+        <p:xfrm>
+          <a:off x="5825202" y="2132106"/>
+          <a:ext cx="4588798" cy="2966720"/>
+        </p:xfrm>
+        <a:graphic>
+          <a:graphicData uri="http://schemas.openxmlformats.org/drawingml/2006/table">
+            <a:tbl>
+              <a:tblPr firstRow="1" bandRow="1">
+                <a:tableStyleId>{BDBED569-4797-4DF1-A0F4-6AAB3CD982D8}</a:tableStyleId>
+              </a:tblPr>
+              <a:tblGrid>
+                <a:gridCol w="2823498"/>
+                <a:gridCol w="1765300"/>
+              </a:tblGrid>
+              <a:tr h="370840">
+                <a:tc>
+                  <a:txBody>
+                    <a:bodyPr/>
+                    <a:lstStyle/>
+                    <a:p>
+                      <a:pPr algn="ctr"/>
+                      <a:r>
+                        <a:rPr lang="en-US" dirty="0" smtClean="0"/>
+                        <a:t>Factor </a:t>
+                      </a:r>
+                      <a:endParaRPr lang="en-US" dirty="0"/>
+                    </a:p>
+                  </a:txBody>
+                  <a:tcPr/>
+                </a:tc>
+                <a:tc>
+                  <a:txBody>
+                    <a:bodyPr/>
+                    <a:lstStyle/>
+                    <a:p>
+                      <a:r>
+                        <a:rPr lang="en-US" dirty="0" smtClean="0"/>
+                        <a:t>Related to </a:t>
+                      </a:r>
+                      <a:r>
+                        <a:rPr lang="en-US" baseline="0" dirty="0" smtClean="0"/>
+                        <a:t>WNV</a:t>
+                      </a:r>
+                      <a:endParaRPr lang="en-US" dirty="0"/>
+                    </a:p>
+                  </a:txBody>
+                  <a:tcPr/>
+                </a:tc>
+              </a:tr>
+              <a:tr h="370840">
+                <a:tc>
+                  <a:txBody>
+                    <a:bodyPr/>
+                    <a:lstStyle/>
+                    <a:p>
+                      <a:pPr marL="0" marR="0" indent="0" algn="l" defTabSz="914400" rtl="0" eaLnBrk="1" fontAlgn="auto" latinLnBrk="0" hangingPunct="1">
+                        <a:lnSpc>
+                          <a:spcPct val="100000"/>
+                        </a:lnSpc>
+                        <a:spcBef>
+                          <a:spcPts val="0"/>
+                        </a:spcBef>
+                        <a:spcAft>
+                          <a:spcPts val="0"/>
+                        </a:spcAft>
+                        <a:buClrTx/>
+                        <a:buSzTx/>
+                        <a:buFontTx/>
+                        <a:buNone/>
+                        <a:tabLst/>
+                        <a:defRPr/>
+                      </a:pPr>
+                      <a:r>
+                        <a:rPr lang="en-US" sz="1800" u="none" dirty="0" smtClean="0"/>
+                        <a:t>Number of Mosquitos</a:t>
+                      </a:r>
+                      <a:endParaRPr lang="en-US" sz="1800" b="0" u="none" dirty="0" smtClean="0">
+                        <a:solidFill>
+                          <a:srgbClr val="000000"/>
+                        </a:solidFill>
+                        <a:latin typeface="Helvetica Neue" charset="0"/>
+                      </a:endParaRPr>
+                    </a:p>
+                  </a:txBody>
+                  <a:tcPr/>
+                </a:tc>
+                <a:tc>
+                  <a:txBody>
+                    <a:bodyPr/>
+                    <a:lstStyle/>
+                    <a:p>
+                      <a:pPr algn="ctr"/>
+                      <a:r>
+                        <a:rPr lang="en-US" dirty="0" smtClean="0"/>
+                        <a:t>+++</a:t>
+                      </a:r>
+                      <a:endParaRPr lang="en-US" dirty="0"/>
+                    </a:p>
+                  </a:txBody>
+                  <a:tcPr/>
+                </a:tc>
+              </a:tr>
+              <a:tr h="370840">
+                <a:tc>
+                  <a:txBody>
+                    <a:bodyPr/>
+                    <a:lstStyle/>
+                    <a:p>
+                      <a:r>
+                        <a:rPr lang="en-US" sz="1800" u="none" dirty="0" smtClean="0"/>
+                        <a:t>CULEX_PIPIENS (specie)</a:t>
+                      </a:r>
+                      <a:endParaRPr lang="en-US" b="0" u="none" dirty="0"/>
+                    </a:p>
+                  </a:txBody>
+                  <a:tcPr/>
+                </a:tc>
+                <a:tc>
+                  <a:txBody>
+                    <a:bodyPr/>
+                    <a:lstStyle/>
+                    <a:p>
+                      <a:pPr algn="ctr"/>
+                      <a:r>
+                        <a:rPr lang="en-US" dirty="0" smtClean="0"/>
+                        <a:t>++</a:t>
+                      </a:r>
+                      <a:endParaRPr lang="en-US" dirty="0"/>
+                    </a:p>
+                  </a:txBody>
+                  <a:tcPr/>
+                </a:tc>
+              </a:tr>
+              <a:tr h="370840">
+                <a:tc>
+                  <a:txBody>
+                    <a:bodyPr/>
+                    <a:lstStyle/>
+                    <a:p>
+                      <a:pPr marL="0" marR="0" indent="0" algn="l" defTabSz="914400" rtl="0" eaLnBrk="1" fontAlgn="auto" latinLnBrk="0" hangingPunct="1">
+                        <a:lnSpc>
+                          <a:spcPct val="100000"/>
+                        </a:lnSpc>
+                        <a:spcBef>
+                          <a:spcPts val="0"/>
+                        </a:spcBef>
+                        <a:spcAft>
+                          <a:spcPts val="0"/>
+                        </a:spcAft>
+                        <a:buClrTx/>
+                        <a:buSzTx/>
+                        <a:buFontTx/>
+                        <a:buNone/>
+                        <a:tabLst/>
+                        <a:defRPr/>
+                      </a:pPr>
+                      <a:r>
+                        <a:rPr lang="en-US" u="none" dirty="0" smtClean="0"/>
+                        <a:t>Month</a:t>
+                      </a:r>
+                      <a:endParaRPr lang="en-US" b="0" u="none" dirty="0"/>
+                    </a:p>
+                  </a:txBody>
+                  <a:tcPr/>
+                </a:tc>
+                <a:tc>
+                  <a:txBody>
+                    <a:bodyPr/>
+                    <a:lstStyle/>
+                    <a:p>
+                      <a:pPr algn="ctr"/>
+                      <a:r>
+                        <a:rPr lang="en-US" dirty="0" smtClean="0"/>
+                        <a:t>++</a:t>
+                      </a:r>
+                      <a:endParaRPr lang="en-US" dirty="0"/>
+                    </a:p>
+                  </a:txBody>
+                  <a:tcPr/>
+                </a:tc>
+              </a:tr>
+              <a:tr h="370840">
+                <a:tc>
+                  <a:txBody>
+                    <a:bodyPr/>
+                    <a:lstStyle/>
+                    <a:p>
+                      <a:pPr marL="0" marR="0" indent="0" algn="l" defTabSz="914400" rtl="0" eaLnBrk="1" fontAlgn="auto" latinLnBrk="0" hangingPunct="1">
+                        <a:lnSpc>
+                          <a:spcPct val="100000"/>
+                        </a:lnSpc>
+                        <a:spcBef>
+                          <a:spcPts val="0"/>
+                        </a:spcBef>
+                        <a:spcAft>
+                          <a:spcPts val="0"/>
+                        </a:spcAft>
+                        <a:buClrTx/>
+                        <a:buSzTx/>
+                        <a:buFontTx/>
+                        <a:buNone/>
+                        <a:tabLst/>
+                        <a:defRPr/>
+                      </a:pPr>
+                      <a:r>
+                        <a:rPr lang="en-US" u="none" dirty="0" smtClean="0"/>
+                        <a:t>High</a:t>
+                      </a:r>
+                      <a:r>
+                        <a:rPr lang="en-US" u="none" baseline="0" dirty="0" smtClean="0"/>
+                        <a:t> Temperatures</a:t>
+                      </a:r>
+                      <a:endParaRPr lang="en-US" b="0" u="none" dirty="0" smtClean="0"/>
+                    </a:p>
+                  </a:txBody>
+                  <a:tcPr/>
+                </a:tc>
+                <a:tc>
+                  <a:txBody>
+                    <a:bodyPr/>
+                    <a:lstStyle/>
+                    <a:p>
+                      <a:pPr algn="ctr"/>
+                      <a:r>
+                        <a:rPr lang="en-US" dirty="0" smtClean="0"/>
+                        <a:t>+</a:t>
+                      </a:r>
+                      <a:r>
+                        <a:rPr lang="en-US" baseline="0" dirty="0" smtClean="0"/>
+                        <a:t> </a:t>
+                      </a:r>
+                      <a:endParaRPr lang="en-US" dirty="0"/>
+                    </a:p>
+                  </a:txBody>
+                  <a:tcPr/>
+                </a:tc>
+              </a:tr>
+              <a:tr h="370840">
+                <a:tc>
+                  <a:txBody>
+                    <a:bodyPr/>
+                    <a:lstStyle/>
+                    <a:p>
+                      <a:pPr marL="0" marR="0" indent="0" algn="l" defTabSz="914400" rtl="0" eaLnBrk="1" fontAlgn="auto" latinLnBrk="0" hangingPunct="1">
+                        <a:lnSpc>
+                          <a:spcPct val="100000"/>
+                        </a:lnSpc>
+                        <a:spcBef>
+                          <a:spcPts val="0"/>
+                        </a:spcBef>
+                        <a:spcAft>
+                          <a:spcPts val="0"/>
+                        </a:spcAft>
+                        <a:buClrTx/>
+                        <a:buSzTx/>
+                        <a:buFontTx/>
+                        <a:buNone/>
+                        <a:tabLst/>
+                        <a:defRPr/>
+                      </a:pPr>
+                      <a:r>
+                        <a:rPr lang="en-US" sz="1800" u="none" dirty="0" smtClean="0"/>
+                        <a:t>CULEX_RESTUANS (specie)</a:t>
+                      </a:r>
+                      <a:endParaRPr lang="en-US" b="0" u="none" dirty="0" smtClean="0"/>
+                    </a:p>
+                  </a:txBody>
+                  <a:tcPr/>
+                </a:tc>
+                <a:tc>
+                  <a:txBody>
+                    <a:bodyPr/>
+                    <a:lstStyle/>
+                    <a:p>
+                      <a:pPr algn="ctr"/>
+                      <a:r>
+                        <a:rPr lang="en-US" dirty="0" smtClean="0"/>
+                        <a:t>-</a:t>
+                      </a:r>
+                      <a:endParaRPr lang="en-US" dirty="0"/>
+                    </a:p>
+                  </a:txBody>
+                  <a:tcPr/>
+                </a:tc>
+              </a:tr>
+              <a:tr h="370840">
+                <a:tc>
+                  <a:txBody>
+                    <a:bodyPr/>
+                    <a:lstStyle/>
+                    <a:p>
+                      <a:r>
+                        <a:rPr lang="en-US" u="none" dirty="0" smtClean="0"/>
+                        <a:t>Wind</a:t>
+                      </a:r>
+                      <a:endParaRPr lang="en-US" b="0" u="none" dirty="0"/>
+                    </a:p>
+                  </a:txBody>
+                  <a:tcPr/>
+                </a:tc>
+                <a:tc>
+                  <a:txBody>
+                    <a:bodyPr/>
+                    <a:lstStyle/>
+                    <a:p>
+                      <a:pPr algn="ctr"/>
+                      <a:r>
+                        <a:rPr lang="en-US" dirty="0" smtClean="0"/>
+                        <a:t>-</a:t>
+                      </a:r>
+                      <a:endParaRPr lang="en-US" dirty="0"/>
+                    </a:p>
+                  </a:txBody>
+                  <a:tcPr/>
+                </a:tc>
+              </a:tr>
+              <a:tr h="370840">
+                <a:tc>
+                  <a:txBody>
+                    <a:bodyPr/>
+                    <a:lstStyle/>
+                    <a:p>
+                      <a:r>
+                        <a:rPr lang="en-US" u="none" dirty="0" smtClean="0"/>
+                        <a:t>Humidity </a:t>
+                      </a:r>
+                      <a:endParaRPr lang="en-US" b="0" u="none" dirty="0"/>
+                    </a:p>
+                  </a:txBody>
+                  <a:tcPr/>
+                </a:tc>
+                <a:tc>
+                  <a:txBody>
+                    <a:bodyPr/>
+                    <a:lstStyle/>
+                    <a:p>
+                      <a:pPr algn="ctr"/>
+                      <a:r>
+                        <a:rPr lang="en-US" dirty="0" smtClean="0"/>
+                        <a:t>-</a:t>
+                      </a:r>
+                      <a:endParaRPr lang="en-US" dirty="0"/>
+                    </a:p>
+                  </a:txBody>
+                  <a:tcPr/>
+                </a:tc>
+              </a:tr>
+            </a:tbl>
+          </a:graphicData>
+        </a:graphic>
+      </p:graphicFrame>
+      <p:sp>
+        <p:nvSpPr>
+          <p:cNvPr id="6" name="Rectangle 5"/>
           <p:cNvSpPr/>
           <p:nvPr/>
         </p:nvSpPr>
         <p:spPr>
           <a:xfrm>
-            <a:off x="-161366" y="1323098"/>
-            <a:ext cx="7261413" cy="1107996"/>
+            <a:off x="0" y="1320790"/>
+            <a:ext cx="8206452" cy="461665"/>
           </a:xfrm>
           <a:prstGeom prst="rect">
             <a:avLst/>
@@ -34396,30 +34799,160 @@
               <a:buChar char="§"/>
             </a:pPr>
             <a:r>
-              <a:rPr lang="en-US" sz="2200" dirty="0" smtClean="0"/>
+              <a:rPr lang="en-US" sz="2400" b="1" dirty="0" smtClean="0"/>
               <a:t> </a:t>
             </a:r>
             <a:r>
-              <a:rPr lang="en-US" sz="2200" b="1" dirty="0" smtClean="0"/>
-              <a:t>Final </a:t>
-            </a:r>
-            <a:r>
-              <a:rPr lang="en-US" sz="2200" b="1" dirty="0"/>
-              <a:t>actionable recommendations for Chicago Municipality and Department of Public Health</a:t>
+              <a:rPr lang="en-US" sz="2400" b="1" dirty="0"/>
+              <a:t>What the model is revealing to us about WNV </a:t>
+            </a:r>
+            <a:r>
+              <a:rPr lang="en-US" sz="2400" b="1" dirty="0" smtClean="0"/>
+              <a:t>factors? </a:t>
+            </a:r>
+            <a:endParaRPr lang="en-US" sz="2400" b="1" dirty="0"/>
+          </a:p>
+        </p:txBody>
+      </p:sp>
+      <p:sp>
+        <p:nvSpPr>
+          <p:cNvPr id="7" name="TextBox 6"/>
+          <p:cNvSpPr txBox="1"/>
+          <p:nvPr/>
+        </p:nvSpPr>
+        <p:spPr>
+          <a:xfrm>
+            <a:off x="1077799" y="2132106"/>
+            <a:ext cx="4332401" cy="1154162"/>
+          </a:xfrm>
+          <a:prstGeom prst="rect">
+            <a:avLst/>
+          </a:prstGeom>
+        </p:spPr>
+        <p:style>
+          <a:lnRef idx="2">
+            <a:schemeClr val="dk1"/>
+          </a:lnRef>
+          <a:fillRef idx="1">
+            <a:schemeClr val="lt1"/>
+          </a:fillRef>
+          <a:effectRef idx="0">
+            <a:schemeClr val="dk1"/>
+          </a:effectRef>
+          <a:fontRef idx="minor">
+            <a:schemeClr val="dk1"/>
+          </a:fontRef>
+        </p:style>
+        <p:txBody>
+          <a:bodyPr wrap="square" rtlCol="0">
+            <a:spAutoFit/>
+          </a:bodyPr>
+          <a:lstStyle/>
+          <a:p>
+            <a:pPr>
+              <a:spcBef>
+                <a:spcPts val="100"/>
+              </a:spcBef>
+              <a:spcAft>
+                <a:spcPts val="100"/>
+              </a:spcAft>
+            </a:pPr>
+            <a:r>
+              <a:rPr lang="en-US" sz="1600" b="1" dirty="0" smtClean="0">
+                <a:solidFill>
+                  <a:srgbClr val="000000"/>
+                </a:solidFill>
+                <a:latin typeface="Helvetica Neue" charset="0"/>
+              </a:rPr>
+              <a:t>Summary </a:t>
+            </a:r>
+            <a:r>
+              <a:rPr lang="en-US" sz="1600" b="1" dirty="0">
+                <a:solidFill>
+                  <a:srgbClr val="000000"/>
+                </a:solidFill>
+                <a:latin typeface="Helvetica Neue" charset="0"/>
+              </a:rPr>
+              <a:t>of </a:t>
+            </a:r>
+            <a:r>
+              <a:rPr lang="en-US" sz="1600" b="1" dirty="0" smtClean="0">
+                <a:solidFill>
+                  <a:srgbClr val="000000"/>
+                </a:solidFill>
+                <a:latin typeface="Helvetica Neue" charset="0"/>
+              </a:rPr>
+              <a:t>factors relationship to WNV:</a:t>
             </a:r>
           </a:p>
           <a:p>
             <a:pPr lvl="1">
-              <a:buFont typeface="Wingdings" charset="2"/>
-              <a:buChar char="§"/>
+              <a:spcBef>
+                <a:spcPts val="100"/>
+              </a:spcBef>
+              <a:spcAft>
+                <a:spcPts val="100"/>
+              </a:spcAft>
             </a:pPr>
-            <a:endParaRPr lang="en-US" sz="2200" dirty="0"/>
+            <a:r>
+              <a:rPr lang="en-US" sz="1600" dirty="0" smtClean="0">
+                <a:solidFill>
+                  <a:srgbClr val="000000"/>
+                </a:solidFill>
+                <a:latin typeface="Helvetica Neue" charset="0"/>
+              </a:rPr>
+              <a:t>(+++) strong positive relationship</a:t>
+            </a:r>
+          </a:p>
+          <a:p>
+            <a:pPr lvl="1">
+              <a:spcBef>
+                <a:spcPts val="100"/>
+              </a:spcBef>
+              <a:spcAft>
+                <a:spcPts val="100"/>
+              </a:spcAft>
+            </a:pPr>
+            <a:r>
+              <a:rPr lang="en-US" sz="1600" dirty="0" smtClean="0">
+                <a:solidFill>
+                  <a:srgbClr val="000000"/>
+                </a:solidFill>
+                <a:latin typeface="Helvetica Neue" charset="0"/>
+              </a:rPr>
+              <a:t> (++)  moderate positive relationship</a:t>
+            </a:r>
+          </a:p>
+          <a:p>
+            <a:pPr lvl="1">
+              <a:spcBef>
+                <a:spcPts val="100"/>
+              </a:spcBef>
+              <a:spcAft>
+                <a:spcPts val="100"/>
+              </a:spcAft>
+            </a:pPr>
+            <a:r>
+              <a:rPr lang="en-US" sz="1600" dirty="0" smtClean="0">
+                <a:solidFill>
+                  <a:srgbClr val="000000"/>
+                </a:solidFill>
+                <a:latin typeface="Helvetica Neue" charset="0"/>
+              </a:rPr>
+              <a:t>   (-)   mild negative relationship </a:t>
+            </a:r>
+            <a:endParaRPr lang="en-US" sz="1600" dirty="0">
+              <a:solidFill>
+                <a:srgbClr val="000000"/>
+              </a:solidFill>
+              <a:latin typeface="Helvetica Neue" charset="0"/>
+            </a:endParaRPr>
           </a:p>
         </p:txBody>
       </p:sp>
       <p:sp>
         <p:nvSpPr>
-          <p:cNvPr id="5" name="Title 1"/>
+          <p:cNvPr id="8" name="Title 1"/>
           <p:cNvSpPr txBox="1">
             <a:spLocks/>
           </p:cNvSpPr>
@@ -34483,20 +35016,13 @@
     </p:spTree>
     <p:extLst>
       <p:ext uri="{BB962C8B-B14F-4D97-AF65-F5344CB8AC3E}">
-        <p14:creationId xmlns:p14="http://schemas.microsoft.com/office/powerpoint/2010/main" val="1226255250"/>
+        <p14:creationId xmlns:p14="http://schemas.microsoft.com/office/powerpoint/2010/main" val="1074489259"/>
       </p:ext>
     </p:extLst>
   </p:cSld>
   <p:clrMapOvr>
     <a:masterClrMapping/>
   </p:clrMapOvr>
-  <p:timing>
-    <p:tnLst>
-      <p:par>
-        <p:cTn id="1" dur="indefinite" restart="never" nodeType="tmRoot"/>
-      </p:par>
-    </p:tnLst>
-  </p:timing>
 </p:sld>
 </file>
 
@@ -34517,216 +35043,6 @@
           <a:chExt cx="0" cy="0"/>
         </a:xfrm>
       </p:grpSpPr>
-      <p:sp>
-        <p:nvSpPr>
-          <p:cNvPr id="3" name="Content Placeholder 2"/>
-          <p:cNvSpPr>
-            <a:spLocks noGrp="1"/>
-          </p:cNvSpPr>
-          <p:nvPr>
-            <p:ph idx="1"/>
-          </p:nvPr>
-        </p:nvSpPr>
-        <p:spPr>
-          <a:xfrm>
-            <a:off x="797858" y="2296272"/>
-            <a:ext cx="10766612" cy="3902822"/>
-          </a:xfrm>
-        </p:spPr>
-        <p:style>
-          <a:lnRef idx="2">
-            <a:schemeClr val="dk1"/>
-          </a:lnRef>
-          <a:fillRef idx="1">
-            <a:schemeClr val="lt1"/>
-          </a:fillRef>
-          <a:effectRef idx="0">
-            <a:schemeClr val="dk1"/>
-          </a:effectRef>
-          <a:fontRef idx="minor">
-            <a:schemeClr val="dk1"/>
-          </a:fontRef>
-        </p:style>
-        <p:txBody>
-          <a:bodyPr>
-            <a:noAutofit/>
-          </a:bodyPr>
-          <a:lstStyle/>
-          <a:p>
-            <a:r>
-              <a:rPr lang="en-US" sz="1800" dirty="0" smtClean="0"/>
-              <a:t>The </a:t>
-            </a:r>
-            <a:r>
-              <a:rPr lang="en-US" sz="1800" dirty="0"/>
-              <a:t>sensitivity of the </a:t>
-            </a:r>
-            <a:r>
-              <a:rPr lang="en-US" sz="1800" dirty="0" smtClean="0"/>
-              <a:t>model we are offering </a:t>
-            </a:r>
-            <a:r>
-              <a:rPr lang="en-US" sz="1800" dirty="0"/>
-              <a:t>to detect WNV could range from detecting 60% to detecting 100%.</a:t>
-            </a:r>
-          </a:p>
-          <a:p>
-            <a:r>
-              <a:rPr lang="en-US" sz="1800" dirty="0"/>
-              <a:t>Depended on the cost </a:t>
-            </a:r>
-            <a:r>
-              <a:rPr lang="en-US" sz="1800" dirty="0" smtClean="0"/>
-              <a:t>of false alarm (e.g. spraying areas that </a:t>
-            </a:r>
-            <a:r>
-              <a:rPr lang="en-US" sz="1800" dirty="0"/>
-              <a:t>are not infested), we could </a:t>
-            </a:r>
-            <a:r>
-              <a:rPr lang="en-US" sz="1800" dirty="0" smtClean="0"/>
-              <a:t>offer </a:t>
-            </a:r>
-            <a:r>
-              <a:rPr lang="en-US" sz="1800" dirty="0"/>
-              <a:t>the right </a:t>
-            </a:r>
-            <a:r>
-              <a:rPr lang="en-US" sz="1800" dirty="0" smtClean="0"/>
-              <a:t>package </a:t>
-            </a:r>
-            <a:r>
-              <a:rPr lang="en-US" sz="1800" dirty="0"/>
-              <a:t>for Chicago </a:t>
-            </a:r>
-            <a:r>
-              <a:rPr lang="en-US" sz="1800" dirty="0" smtClean="0"/>
-              <a:t>Municipality and CDPH purposes</a:t>
-            </a:r>
-            <a:r>
-              <a:rPr lang="en-US" sz="1800" dirty="0"/>
-              <a:t>.</a:t>
-            </a:r>
-          </a:p>
-          <a:p>
-            <a:r>
-              <a:rPr lang="en-US" sz="1800" dirty="0" smtClean="0"/>
-              <a:t>We offer 2 possible packages: </a:t>
-            </a:r>
-          </a:p>
-          <a:p>
-            <a:pPr marL="1028700" lvl="1" indent="-571500">
-              <a:buFont typeface="+mj-lt"/>
-              <a:buAutoNum type="romanLcPeriod"/>
-            </a:pPr>
-            <a:r>
-              <a:rPr lang="en-US" sz="1800" dirty="0" smtClean="0"/>
-              <a:t>If it’s affordable to “over-spray” </a:t>
-            </a:r>
-            <a:r>
-              <a:rPr lang="en-US" sz="1800" dirty="0"/>
-              <a:t>4 times the number of necessary </a:t>
-            </a:r>
-            <a:r>
-              <a:rPr lang="en-US" sz="1800" dirty="0" smtClean="0"/>
-              <a:t>spraying </a:t>
-            </a:r>
-            <a:r>
-              <a:rPr lang="en-US" sz="1800" dirty="0"/>
-              <a:t>(i.e. only 1 out of 5 spraying efforts are justifiable</a:t>
-            </a:r>
-            <a:r>
-              <a:rPr lang="en-US" sz="1800" dirty="0" smtClean="0"/>
-              <a:t>), </a:t>
-            </a:r>
-            <a:r>
-              <a:rPr lang="en-US" sz="1800" dirty="0"/>
-              <a:t>we </a:t>
-            </a:r>
-            <a:r>
-              <a:rPr lang="en-US" sz="1800" dirty="0" smtClean="0"/>
-              <a:t>predict eradication of </a:t>
-            </a:r>
-            <a:r>
-              <a:rPr lang="en-US" sz="1800" dirty="0"/>
-              <a:t>90% </a:t>
-            </a:r>
-            <a:r>
-              <a:rPr lang="en-US" sz="1800" dirty="0" smtClean="0"/>
-              <a:t>of </a:t>
-            </a:r>
-            <a:r>
-              <a:rPr lang="en-US" sz="1800" dirty="0"/>
-              <a:t>WNV of occurrences </a:t>
-            </a:r>
-            <a:r>
-              <a:rPr lang="en-US" sz="1800" dirty="0" smtClean="0"/>
-              <a:t>in </a:t>
-            </a:r>
-            <a:r>
-              <a:rPr lang="en-US" sz="1800" dirty="0"/>
-              <a:t>Chicago (lowering its rate from 5% to 0.5%). </a:t>
-            </a:r>
-            <a:endParaRPr lang="en-US" sz="1800" dirty="0" smtClean="0"/>
-          </a:p>
-          <a:p>
-            <a:pPr marL="1028700" lvl="1" indent="-571500">
-              <a:buFont typeface="+mj-lt"/>
-              <a:buAutoNum type="romanLcPeriod"/>
-            </a:pPr>
-            <a:r>
-              <a:rPr lang="en-US" sz="1800" dirty="0" smtClean="0"/>
-              <a:t>Alternatively </a:t>
-            </a:r>
-            <a:r>
-              <a:rPr lang="en-US" sz="1800" dirty="0"/>
-              <a:t>If it’s affordable </a:t>
-            </a:r>
-            <a:r>
-              <a:rPr lang="en-US" sz="1800" dirty="0" smtClean="0"/>
-              <a:t>to “over-spray” </a:t>
-            </a:r>
-            <a:r>
-              <a:rPr lang="en-US" sz="1800" dirty="0"/>
-              <a:t>only 2.5 times (i.e. 2 out of 5 spraying efforts are justifiable), </a:t>
-            </a:r>
-            <a:r>
-              <a:rPr lang="en-US" sz="1800" dirty="0" smtClean="0"/>
-              <a:t>then </a:t>
-            </a:r>
-            <a:r>
-              <a:rPr lang="en-US" sz="1800" dirty="0"/>
-              <a:t>we predict </a:t>
-            </a:r>
-            <a:r>
-              <a:rPr lang="en-US" sz="1800" dirty="0" smtClean="0"/>
-              <a:t>eradication of 60% of WNV occurrences (lowering its rate from </a:t>
-            </a:r>
-            <a:r>
-              <a:rPr lang="en-US" sz="1800" dirty="0"/>
-              <a:t>5% to 2</a:t>
-            </a:r>
-            <a:r>
-              <a:rPr lang="en-US" sz="1800" dirty="0" smtClean="0"/>
-              <a:t>%).</a:t>
-            </a:r>
-            <a:endParaRPr lang="en-US" sz="1800" dirty="0"/>
-          </a:p>
-          <a:p>
-            <a:r>
-              <a:rPr lang="en-US" sz="1800" dirty="0" smtClean="0"/>
-              <a:t>We </a:t>
-            </a:r>
-            <a:r>
-              <a:rPr lang="en-US" sz="1800" dirty="0"/>
-              <a:t>recommend to take into consideration the inhabitants population density of the areas in order to asses the importance of eradicating the mosquitos. This could provide important clues about the right choice of over-spraying and WNV detection rate discussed previously.</a:t>
-            </a:r>
-          </a:p>
-          <a:p>
-            <a:endParaRPr lang="en-US" sz="1800" dirty="0"/>
-          </a:p>
-        </p:txBody>
-      </p:sp>
       <p:sp>
         <p:nvSpPr>
           <p:cNvPr id="4" name="Rectangle 3"/>
@@ -34840,7 +35156,7 @@
     </p:spTree>
     <p:extLst>
       <p:ext uri="{BB962C8B-B14F-4D97-AF65-F5344CB8AC3E}">
-        <p14:creationId xmlns:p14="http://schemas.microsoft.com/office/powerpoint/2010/main" val="478230468"/>
+        <p14:creationId xmlns:p14="http://schemas.microsoft.com/office/powerpoint/2010/main" val="1226255250"/>
       </p:ext>
     </p:extLst>
   </p:cSld>
@@ -34886,8 +35202,8 @@
         </p:nvSpPr>
         <p:spPr>
           <a:xfrm>
-            <a:off x="824753" y="2296271"/>
-            <a:ext cx="10739718" cy="2934635"/>
+            <a:off x="797858" y="2296272"/>
+            <a:ext cx="10766612" cy="3902822"/>
           </a:xfrm>
         </p:spPr>
         <p:style>
@@ -34906,143 +35222,228 @@
         </p:style>
         <p:txBody>
           <a:bodyPr>
-            <a:normAutofit/>
+            <a:noAutofit/>
           </a:bodyPr>
           <a:lstStyle/>
           <a:p>
             <a:r>
               <a:rPr lang="en-US" sz="1800" dirty="0" smtClean="0"/>
+              <a:t>The </a:t>
+            </a:r>
+            <a:r>
+              <a:rPr lang="en-US" sz="1800" dirty="0"/>
+              <a:t>sensitivity of the </a:t>
+            </a:r>
+            <a:r>
+              <a:rPr lang="en-US" sz="1800" dirty="0" smtClean="0"/>
+              <a:t>model we are offering </a:t>
+            </a:r>
+            <a:r>
+              <a:rPr lang="en-US" sz="1800" dirty="0"/>
+              <a:t>to detect WNV could range from detecting 60% to detecting 100%.</a:t>
+            </a:r>
+          </a:p>
+          <a:p>
+            <a:r>
+              <a:rPr lang="en-US" sz="1800" dirty="0"/>
+              <a:t>Depended on the cost </a:t>
+            </a:r>
+            <a:r>
+              <a:rPr lang="en-US" sz="1800" dirty="0" smtClean="0"/>
+              <a:t>of false alarm (e.g. spraying areas that </a:t>
+            </a:r>
+            <a:r>
+              <a:rPr lang="en-US" sz="1800" dirty="0"/>
+              <a:t>are not infested), we could </a:t>
+            </a:r>
+            <a:r>
+              <a:rPr lang="en-US" sz="1800" dirty="0" smtClean="0"/>
+              <a:t>offer </a:t>
+            </a:r>
+            <a:r>
+              <a:rPr lang="en-US" sz="1800" dirty="0"/>
+              <a:t>the right </a:t>
+            </a:r>
+            <a:r>
+              <a:rPr lang="en-US" sz="1800" dirty="0" smtClean="0"/>
+              <a:t>package </a:t>
+            </a:r>
+            <a:r>
+              <a:rPr lang="en-US" sz="1800" dirty="0"/>
+              <a:t>for Chicago </a:t>
+            </a:r>
+            <a:r>
+              <a:rPr lang="en-US" sz="1800" dirty="0" smtClean="0"/>
+              <a:t>Municipality and CDPH purposes</a:t>
+            </a:r>
+            <a:r>
+              <a:rPr lang="en-US" sz="1800" dirty="0"/>
+              <a:t>.</a:t>
+            </a:r>
+          </a:p>
+          <a:p>
+            <a:r>
+              <a:rPr lang="en-US" sz="1800" dirty="0" smtClean="0"/>
+              <a:t>We offer 2 possible packages: </a:t>
+            </a:r>
+          </a:p>
+          <a:p>
+            <a:pPr marL="1028700" lvl="1" indent="-571500">
+              <a:buFont typeface="+mj-lt"/>
+              <a:buAutoNum type="romanLcPeriod"/>
+            </a:pPr>
+            <a:r>
+              <a:rPr lang="en-US" sz="1800" dirty="0" smtClean="0"/>
+              <a:t>If it’s affordable to “over-spray” </a:t>
+            </a:r>
+            <a:r>
+              <a:rPr lang="en-US" sz="1800" dirty="0"/>
+              <a:t>4 times the number of necessary </a:t>
+            </a:r>
+            <a:r>
+              <a:rPr lang="en-US" sz="1800" dirty="0" smtClean="0"/>
+              <a:t>spraying </a:t>
+            </a:r>
+            <a:r>
+              <a:rPr lang="en-US" sz="1800" dirty="0"/>
+              <a:t>(i.e. only 1 out of 5 spraying efforts are justifiable</a:t>
+            </a:r>
+            <a:r>
+              <a:rPr lang="en-US" sz="1800" dirty="0" smtClean="0"/>
+              <a:t>), </a:t>
+            </a:r>
+            <a:r>
+              <a:rPr lang="en-US" sz="1800" dirty="0"/>
+              <a:t>we </a:t>
+            </a:r>
+            <a:r>
+              <a:rPr lang="en-US" sz="1800" dirty="0" smtClean="0"/>
+              <a:t>predict eradication of </a:t>
+            </a:r>
+            <a:r>
+              <a:rPr lang="en-US" sz="1800" dirty="0"/>
+              <a:t>90% </a:t>
+            </a:r>
+            <a:r>
+              <a:rPr lang="en-US" sz="1800" dirty="0" smtClean="0"/>
+              <a:t>of </a:t>
+            </a:r>
+            <a:r>
+              <a:rPr lang="en-US" sz="1800" dirty="0"/>
+              <a:t>WNV of occurrences </a:t>
+            </a:r>
+            <a:r>
+              <a:rPr lang="en-US" sz="1800" dirty="0" smtClean="0"/>
+              <a:t>in </a:t>
+            </a:r>
+            <a:r>
+              <a:rPr lang="en-US" sz="1800" dirty="0"/>
+              <a:t>Chicago (lowering its rate from 5% to 0.5%). </a:t>
+            </a:r>
+            <a:endParaRPr lang="en-US" sz="1800" dirty="0" smtClean="0"/>
+          </a:p>
+          <a:p>
+            <a:pPr marL="1028700" lvl="1" indent="-571500">
+              <a:buFont typeface="+mj-lt"/>
+              <a:buAutoNum type="romanLcPeriod"/>
+            </a:pPr>
+            <a:r>
+              <a:rPr lang="en-US" sz="1800" dirty="0" smtClean="0"/>
+              <a:t>Alternatively </a:t>
+            </a:r>
+            <a:r>
+              <a:rPr lang="en-US" sz="1800" dirty="0"/>
+              <a:t>If it’s affordable </a:t>
+            </a:r>
+            <a:r>
+              <a:rPr lang="en-US" sz="1800" dirty="0" smtClean="0"/>
+              <a:t>to “over-spray” </a:t>
+            </a:r>
+            <a:r>
+              <a:rPr lang="en-US" sz="1800" dirty="0"/>
+              <a:t>only 2.5 times (i.e. 2 out of 5 spraying efforts are justifiable), </a:t>
+            </a:r>
+            <a:r>
+              <a:rPr lang="en-US" sz="1800" dirty="0" smtClean="0"/>
+              <a:t>then </a:t>
+            </a:r>
+            <a:r>
+              <a:rPr lang="en-US" sz="1800" dirty="0"/>
+              <a:t>we predict </a:t>
+            </a:r>
+            <a:r>
+              <a:rPr lang="en-US" sz="1800" dirty="0" smtClean="0"/>
+              <a:t>eradication of 60% of WNV occurrences (lowering its rate from </a:t>
+            </a:r>
+            <a:r>
+              <a:rPr lang="en-US" sz="1800" dirty="0"/>
+              <a:t>5% to 2</a:t>
+            </a:r>
+            <a:r>
+              <a:rPr lang="en-US" sz="1800" dirty="0" smtClean="0"/>
+              <a:t>%).</a:t>
+            </a:r>
+            <a:endParaRPr lang="en-US" sz="1800" dirty="0"/>
+          </a:p>
+          <a:p>
+            <a:r>
+              <a:rPr lang="en-US" sz="1800" dirty="0" smtClean="0"/>
               <a:t>We </a:t>
             </a:r>
             <a:r>
               <a:rPr lang="en-US" sz="1800" dirty="0"/>
-              <a:t>suggest </a:t>
-            </a:r>
-            <a:r>
-              <a:rPr lang="en-US" sz="1800" dirty="0" smtClean="0"/>
-              <a:t>to take </a:t>
-            </a:r>
-            <a:r>
-              <a:rPr lang="en-US" sz="1800" dirty="0"/>
-              <a:t>preemptive measures as well as spraying infested locations. Since </a:t>
-            </a:r>
-            <a:r>
-              <a:rPr lang="en-US" sz="1800" dirty="0">
-                <a:solidFill>
-                  <a:schemeClr val="dk1"/>
-                </a:solidFill>
-              </a:rPr>
-              <a:t>June</a:t>
-            </a:r>
-            <a:r>
-              <a:rPr lang="en-US" sz="1800" dirty="0"/>
-              <a:t> has the highest occurrences of WNV, whilst not being the hottest, driest and least </a:t>
-            </a:r>
-            <a:r>
-              <a:rPr lang="en-US" sz="1800" dirty="0" smtClean="0"/>
-              <a:t>windy, we </a:t>
-            </a:r>
-            <a:r>
-              <a:rPr lang="en-US" sz="1800" dirty="0"/>
-              <a:t>could assume that the high occurrences are due to reactive measures </a:t>
-            </a:r>
-            <a:r>
-              <a:rPr lang="en-US" sz="1800" dirty="0" smtClean="0"/>
-              <a:t>to </a:t>
-            </a:r>
-            <a:r>
-              <a:rPr lang="en-US" sz="1800" dirty="0"/>
-              <a:t>eradicate </a:t>
-            </a:r>
-            <a:r>
-              <a:rPr lang="en-US" sz="1800" dirty="0" smtClean="0"/>
-              <a:t>mosquitos been taken </a:t>
-            </a:r>
-            <a:r>
-              <a:rPr lang="en-US" sz="1800" dirty="0"/>
-              <a:t>too late in the season (only after locations become infested).</a:t>
-            </a:r>
-          </a:p>
-          <a:p>
-            <a:r>
-              <a:rPr lang="en-US" sz="1800" dirty="0"/>
-              <a:t>We </a:t>
-            </a:r>
-            <a:r>
-              <a:rPr lang="en-US" sz="1800" dirty="0" smtClean="0"/>
-              <a:t>propose </a:t>
-            </a:r>
-            <a:r>
-              <a:rPr lang="en-US" sz="1800" dirty="0"/>
-              <a:t>to invest efforts in prevention, starting from increasing awareness of the general population </a:t>
-            </a:r>
-            <a:r>
-              <a:rPr lang="en-US" sz="1800" dirty="0" smtClean="0"/>
-              <a:t>(e.g. to </a:t>
-            </a:r>
-            <a:r>
-              <a:rPr lang="en-US" sz="1800" dirty="0"/>
-              <a:t>not leave exposed untreated water </a:t>
-            </a:r>
-            <a:r>
-              <a:rPr lang="en-US" sz="1800" dirty="0" smtClean="0"/>
-              <a:t>such as </a:t>
-            </a:r>
-            <a:r>
-              <a:rPr lang="en-US" sz="1800" dirty="0"/>
-              <a:t>ponds and pools in their yard)</a:t>
-            </a:r>
-          </a:p>
-          <a:p>
-            <a:r>
-              <a:rPr lang="en-US" sz="1800" dirty="0" smtClean="0"/>
-              <a:t>Additionally, </a:t>
-            </a:r>
-            <a:r>
-              <a:rPr lang="en-US" sz="1800" dirty="0"/>
-              <a:t>since one specie (</a:t>
-            </a:r>
-            <a:r>
-              <a:rPr lang="en-US" sz="1800" dirty="0" err="1"/>
-              <a:t>Culex</a:t>
-            </a:r>
-            <a:r>
-              <a:rPr lang="en-US" sz="1800" dirty="0"/>
+              <a:t>recommend to take into consideration the inhabitants population density of the areas in order to asses the importance of eradicating the mosquitos. This could provide important clues about the right choice of over-spraying and WNV detection rate discussed previously.</a:t>
+            </a:r>
+          </a:p>
+          <a:p>
+            <a:endParaRPr lang="en-US" sz="1800" dirty="0"/>
+          </a:p>
+        </p:txBody>
+      </p:sp>
+      <p:sp>
+        <p:nvSpPr>
+          <p:cNvPr id="4" name="Rectangle 3"/>
+          <p:cNvSpPr/>
+          <p:nvPr/>
+        </p:nvSpPr>
+        <p:spPr>
+          <a:xfrm>
+            <a:off x="-161366" y="1323098"/>
+            <a:ext cx="7261413" cy="1107996"/>
+          </a:xfrm>
+          <a:prstGeom prst="rect">
+            <a:avLst/>
+          </a:prstGeom>
+        </p:spPr>
+        <p:txBody>
+          <a:bodyPr wrap="square">
+            <a:spAutoFit/>
+          </a:bodyPr>
+          <a:lstStyle/>
+          <a:p>
+            <a:pPr lvl="2">
+              <a:buFont typeface="Wingdings" charset="2"/>
+              <a:buChar char="§"/>
+            </a:pPr>
+            <a:r>
+              <a:rPr lang="en-US" sz="2200" dirty="0" smtClean="0"/>
               <a:t> </a:t>
             </a:r>
             <a:r>
-              <a:rPr lang="en-US" sz="1800" dirty="0" err="1" smtClean="0"/>
-              <a:t>Pipiens</a:t>
-            </a:r>
-            <a:r>
-              <a:rPr lang="en-US" sz="1800" dirty="0" smtClean="0"/>
-              <a:t>) </a:t>
-            </a:r>
-            <a:r>
-              <a:rPr lang="en-US" sz="1800" dirty="0"/>
-              <a:t>stands out as a carrier with higher rates of WNV, We suggest to increase efforts in preventing the proliferation of this specie in particular. This could be done with more specific and </a:t>
-            </a:r>
-            <a:r>
-              <a:rPr lang="en-US" sz="1800" dirty="0" smtClean="0"/>
-              <a:t>environmentally </a:t>
-            </a:r>
-            <a:r>
-              <a:rPr lang="en-US" sz="1800" dirty="0"/>
-              <a:t>friendly measures (e.g. "targeted biological mosquito control") which would make the process of lowering </a:t>
-            </a:r>
-            <a:r>
-              <a:rPr lang="en-US" sz="1800" dirty="0" smtClean="0"/>
-              <a:t>occurrences </a:t>
-            </a:r>
-            <a:r>
-              <a:rPr lang="en-US" sz="1800" dirty="0"/>
-              <a:t>more efficient and less </a:t>
-            </a:r>
-            <a:r>
-              <a:rPr lang="en-US" sz="1800" dirty="0" smtClean="0"/>
-              <a:t>costly</a:t>
-            </a:r>
-            <a:endParaRPr lang="en-US" sz="1800" dirty="0"/>
+              <a:rPr lang="en-US" sz="2200" b="1" dirty="0" smtClean="0"/>
+              <a:t>Final </a:t>
+            </a:r>
+            <a:r>
+              <a:rPr lang="en-US" sz="2200" b="1" dirty="0"/>
+              <a:t>actionable recommendations for Chicago Municipality and Department of Public Health</a:t>
+            </a:r>
+          </a:p>
+          <a:p>
+            <a:pPr lvl="1">
+              <a:buFont typeface="Wingdings" charset="2"/>
+              <a:buChar char="§"/>
+            </a:pPr>
+            <a:endParaRPr lang="en-US" sz="2200" dirty="0"/>
           </a:p>
         </p:txBody>
       </p:sp>
@@ -35109,6 +35510,278 @@
           </a:p>
         </p:txBody>
       </p:sp>
+    </p:spTree>
+    <p:extLst>
+      <p:ext uri="{BB962C8B-B14F-4D97-AF65-F5344CB8AC3E}">
+        <p14:creationId xmlns:p14="http://schemas.microsoft.com/office/powerpoint/2010/main" val="478230468"/>
+      </p:ext>
+    </p:extLst>
+  </p:cSld>
+  <p:clrMapOvr>
+    <a:masterClrMapping/>
+  </p:clrMapOvr>
+  <p:timing>
+    <p:tnLst>
+      <p:par>
+        <p:cTn id="1" dur="indefinite" restart="never" nodeType="tmRoot"/>
+      </p:par>
+    </p:tnLst>
+  </p:timing>
+</p:sld>
+</file>
+
+<file path=ppt/slides/slide65.xml><?xml version="1.0" encoding="utf-8"?>
+<p:sld xmlns:a="http://schemas.openxmlformats.org/drawingml/2006/main" xmlns:r="http://schemas.openxmlformats.org/officeDocument/2006/relationships" xmlns:p="http://schemas.openxmlformats.org/presentationml/2006/main">
+  <p:cSld>
+    <p:spTree>
+      <p:nvGrpSpPr>
+        <p:cNvPr id="1" name=""/>
+        <p:cNvGrpSpPr/>
+        <p:nvPr/>
+      </p:nvGrpSpPr>
+      <p:grpSpPr>
+        <a:xfrm>
+          <a:off x="0" y="0"/>
+          <a:ext cx="0" cy="0"/>
+          <a:chOff x="0" y="0"/>
+          <a:chExt cx="0" cy="0"/>
+        </a:xfrm>
+      </p:grpSpPr>
+      <p:sp>
+        <p:nvSpPr>
+          <p:cNvPr id="3" name="Content Placeholder 2"/>
+          <p:cNvSpPr>
+            <a:spLocks noGrp="1"/>
+          </p:cNvSpPr>
+          <p:nvPr>
+            <p:ph idx="1"/>
+          </p:nvPr>
+        </p:nvSpPr>
+        <p:spPr>
+          <a:xfrm>
+            <a:off x="824753" y="2296271"/>
+            <a:ext cx="10739718" cy="2934635"/>
+          </a:xfrm>
+        </p:spPr>
+        <p:style>
+          <a:lnRef idx="2">
+            <a:schemeClr val="dk1"/>
+          </a:lnRef>
+          <a:fillRef idx="1">
+            <a:schemeClr val="lt1"/>
+          </a:fillRef>
+          <a:effectRef idx="0">
+            <a:schemeClr val="dk1"/>
+          </a:effectRef>
+          <a:fontRef idx="minor">
+            <a:schemeClr val="dk1"/>
+          </a:fontRef>
+        </p:style>
+        <p:txBody>
+          <a:bodyPr>
+            <a:normAutofit/>
+          </a:bodyPr>
+          <a:lstStyle/>
+          <a:p>
+            <a:r>
+              <a:rPr lang="en-US" sz="1800" dirty="0" smtClean="0"/>
+              <a:t>We </a:t>
+            </a:r>
+            <a:r>
+              <a:rPr lang="en-US" sz="1800" dirty="0"/>
+              <a:t>suggest </a:t>
+            </a:r>
+            <a:r>
+              <a:rPr lang="en-US" sz="1800" dirty="0" smtClean="0"/>
+              <a:t>to take </a:t>
+            </a:r>
+            <a:r>
+              <a:rPr lang="en-US" sz="1800" dirty="0"/>
+              <a:t>preemptive measures as well as spraying infested locations. Since </a:t>
+            </a:r>
+            <a:r>
+              <a:rPr lang="en-US" sz="1800" dirty="0">
+                <a:solidFill>
+                  <a:schemeClr val="dk1"/>
+                </a:solidFill>
+              </a:rPr>
+              <a:t>June</a:t>
+            </a:r>
+            <a:r>
+              <a:rPr lang="en-US" sz="1800" dirty="0"/>
+              <a:t> has the highest occurrences of WNV, whilst not being the hottest, driest and least </a:t>
+            </a:r>
+            <a:r>
+              <a:rPr lang="en-US" sz="1800" dirty="0" smtClean="0"/>
+              <a:t>windy, we </a:t>
+            </a:r>
+            <a:r>
+              <a:rPr lang="en-US" sz="1800" dirty="0"/>
+              <a:t>could assume that the high occurrences are due to reactive measures </a:t>
+            </a:r>
+            <a:r>
+              <a:rPr lang="en-US" sz="1800" dirty="0" smtClean="0"/>
+              <a:t>to </a:t>
+            </a:r>
+            <a:r>
+              <a:rPr lang="en-US" sz="1800" dirty="0"/>
+              <a:t>eradicate </a:t>
+            </a:r>
+            <a:r>
+              <a:rPr lang="en-US" sz="1800" dirty="0" smtClean="0"/>
+              <a:t>mosquitos been taken </a:t>
+            </a:r>
+            <a:r>
+              <a:rPr lang="en-US" sz="1800" dirty="0"/>
+              <a:t>too late in the season (only after locations become infested).</a:t>
+            </a:r>
+          </a:p>
+          <a:p>
+            <a:r>
+              <a:rPr lang="en-US" sz="1800" dirty="0"/>
+              <a:t>We </a:t>
+            </a:r>
+            <a:r>
+              <a:rPr lang="en-US" sz="1800" dirty="0" smtClean="0"/>
+              <a:t>propose </a:t>
+            </a:r>
+            <a:r>
+              <a:rPr lang="en-US" sz="1800" dirty="0"/>
+              <a:t>to invest efforts in prevention, starting from increasing awareness of the general population </a:t>
+            </a:r>
+            <a:r>
+              <a:rPr lang="en-US" sz="1800" dirty="0" smtClean="0"/>
+              <a:t>(e.g. to </a:t>
+            </a:r>
+            <a:r>
+              <a:rPr lang="en-US" sz="1800" dirty="0"/>
+              <a:t>not leave exposed untreated water </a:t>
+            </a:r>
+            <a:r>
+              <a:rPr lang="en-US" sz="1800" dirty="0" smtClean="0"/>
+              <a:t>such as </a:t>
+            </a:r>
+            <a:r>
+              <a:rPr lang="en-US" sz="1800" dirty="0"/>
+              <a:t>ponds and pools in their yard)</a:t>
+            </a:r>
+          </a:p>
+          <a:p>
+            <a:r>
+              <a:rPr lang="en-US" sz="1800" dirty="0" smtClean="0"/>
+              <a:t>Additionally, </a:t>
+            </a:r>
+            <a:r>
+              <a:rPr lang="en-US" sz="1800" dirty="0"/>
+              <a:t>since one specie (</a:t>
+            </a:r>
+            <a:r>
+              <a:rPr lang="en-US" sz="1800" dirty="0" err="1"/>
+              <a:t>Culex</a:t>
+            </a:r>
+            <a:r>
+              <a:rPr lang="en-US" sz="1800" dirty="0"/>
+              <a:t> </a:t>
+            </a:r>
+            <a:r>
+              <a:rPr lang="en-US" sz="1800" dirty="0" err="1" smtClean="0"/>
+              <a:t>Pipiens</a:t>
+            </a:r>
+            <a:r>
+              <a:rPr lang="en-US" sz="1800" dirty="0" smtClean="0"/>
+              <a:t>) </a:t>
+            </a:r>
+            <a:r>
+              <a:rPr lang="en-US" sz="1800" dirty="0"/>
+              <a:t>stands out as a carrier with higher rates of WNV, We suggest to increase efforts in preventing the proliferation of this specie in particular. This could be done with more specific and </a:t>
+            </a:r>
+            <a:r>
+              <a:rPr lang="en-US" sz="1800" dirty="0" smtClean="0"/>
+              <a:t>environmentally </a:t>
+            </a:r>
+            <a:r>
+              <a:rPr lang="en-US" sz="1800" dirty="0"/>
+              <a:t>friendly measures (e.g. "targeted biological mosquito control") which would make the process of lowering </a:t>
+            </a:r>
+            <a:r>
+              <a:rPr lang="en-US" sz="1800" dirty="0" smtClean="0"/>
+              <a:t>occurrences </a:t>
+            </a:r>
+            <a:r>
+              <a:rPr lang="en-US" sz="1800" dirty="0"/>
+              <a:t>more efficient and less </a:t>
+            </a:r>
+            <a:r>
+              <a:rPr lang="en-US" sz="1800" dirty="0" smtClean="0"/>
+              <a:t>costly</a:t>
+            </a:r>
+            <a:endParaRPr lang="en-US" sz="1800" dirty="0"/>
+          </a:p>
+        </p:txBody>
+      </p:sp>
+      <p:sp>
+        <p:nvSpPr>
+          <p:cNvPr id="5" name="Title 1"/>
+          <p:cNvSpPr txBox="1">
+            <a:spLocks/>
+          </p:cNvSpPr>
+          <p:nvPr/>
+        </p:nvSpPr>
+        <p:spPr>
+          <a:xfrm>
+            <a:off x="558989" y="145735"/>
+            <a:ext cx="10794811" cy="1325563"/>
+          </a:xfrm>
+          <a:prstGeom prst="rect">
+            <a:avLst/>
+          </a:prstGeom>
+        </p:spPr>
+        <p:txBody>
+          <a:bodyPr vert="horz" lIns="91440" tIns="45720" rIns="91440" bIns="45720" rtlCol="0" anchor="ctr">
+            <a:normAutofit/>
+          </a:bodyPr>
+          <a:lstStyle>
+            <a:lvl1pPr algn="l" defTabSz="914400" rtl="0" eaLnBrk="1" latinLnBrk="0" hangingPunct="1">
+              <a:lnSpc>
+                <a:spcPct val="90000"/>
+              </a:lnSpc>
+              <a:spcBef>
+                <a:spcPct val="0"/>
+              </a:spcBef>
+              <a:buNone/>
+              <a:defRPr sz="4400" kern="1200">
+                <a:solidFill>
+                  <a:schemeClr val="tx1"/>
+                </a:solidFill>
+                <a:latin typeface="+mj-lt"/>
+                <a:ea typeface="+mj-ea"/>
+                <a:cs typeface="+mj-cs"/>
+              </a:defRPr>
+            </a:lvl1pPr>
+          </a:lstStyle>
+          <a:p>
+            <a:r>
+              <a:rPr lang="en-US" sz="4000" dirty="0" smtClean="0"/>
+              <a:t>IV.  Summary </a:t>
+            </a:r>
+            <a:r>
+              <a:rPr lang="en-US" sz="4000" dirty="0"/>
+              <a:t>of the proposed model and final </a:t>
+            </a:r>
+            <a:r>
+              <a:rPr lang="en-US" sz="4000" dirty="0" smtClean="0"/>
+              <a:t>  </a:t>
+            </a:r>
+          </a:p>
+          <a:p>
+            <a:r>
+              <a:rPr lang="en-US" sz="4000" dirty="0" smtClean="0"/>
+              <a:t>        recommendations</a:t>
+            </a:r>
+            <a:endParaRPr lang="en-US" sz="4000" dirty="0"/>
+          </a:p>
+        </p:txBody>
+      </p:sp>
       <p:sp>
         <p:nvSpPr>
           <p:cNvPr id="6" name="Rectangle 5"/>
@@ -35176,7 +35849,7 @@
 </p:sld>
 </file>
 
-<file path=ppt/slides/slide65.xml><?xml version="1.0" encoding="utf-8"?>
+<file path=ppt/slides/slide66.xml><?xml version="1.0" encoding="utf-8"?>
 <p:sld xmlns:a="http://schemas.openxmlformats.org/drawingml/2006/main" xmlns:r="http://schemas.openxmlformats.org/officeDocument/2006/relationships" xmlns:p="http://schemas.openxmlformats.org/presentationml/2006/main">
   <p:cSld>
     <p:spTree>
